--- a/pres/figs.pptx
+++ b/pres/figs.pptx
@@ -154,7 +154,7 @@
           <c:x val="1.7765630338230271E-2"/>
           <c:y val="2.6652998462327011E-2"/>
           <c:w val="0.96446873932353949"/>
-          <c:h val="0.9466940030753459"/>
+          <c:h val="0.8195796735903127"/>
         </c:manualLayout>
       </c:layout>
       <c:scatterChart>
@@ -197,6 +197,42 @@
                 </c:pt>
                 <c:pt idx="2">
                   <c:v>2.6</c:v>
+                </c:pt>
+                <c:pt idx="3">
+                  <c:v>2.2000000000000002</c:v>
+                </c:pt>
+                <c:pt idx="4">
+                  <c:v>2</c:v>
+                </c:pt>
+                <c:pt idx="5">
+                  <c:v>0.5</c:v>
+                </c:pt>
+                <c:pt idx="6">
+                  <c:v>1</c:v>
+                </c:pt>
+                <c:pt idx="7">
+                  <c:v>2.5</c:v>
+                </c:pt>
+                <c:pt idx="8">
+                  <c:v>0.8</c:v>
+                </c:pt>
+                <c:pt idx="9">
+                  <c:v>1.4</c:v>
+                </c:pt>
+                <c:pt idx="10">
+                  <c:v>1.8</c:v>
+                </c:pt>
+                <c:pt idx="11">
+                  <c:v>1.2</c:v>
+                </c:pt>
+                <c:pt idx="12">
+                  <c:v>2</c:v>
+                </c:pt>
+                <c:pt idx="13">
+                  <c:v>2.2999999999999998</c:v>
+                </c:pt>
+                <c:pt idx="14">
+                  <c:v>2.4</c:v>
                 </c:pt>
               </c:numCache>
             </c:numRef>
@@ -345,6 +381,15 @@
               <c:numCache>
                 <c:formatCode>General</c:formatCode>
                 <c:ptCount val="15"/>
+                <c:pt idx="0">
+                  <c:v>1.5</c:v>
+                </c:pt>
+                <c:pt idx="1">
+                  <c:v>1.8</c:v>
+                </c:pt>
+                <c:pt idx="2">
+                  <c:v>2.6</c:v>
+                </c:pt>
                 <c:pt idx="3">
                   <c:v>2.2000000000000002</c:v>
                 </c:pt>
@@ -397,13 +442,13 @@
                   <c:v>4</c:v>
                 </c:pt>
                 <c:pt idx="5">
-                  <c:v>1.5</c:v>
+                  <c:v>1.1000000000000001</c:v>
                 </c:pt>
                 <c:pt idx="6">
                   <c:v>2.4</c:v>
                 </c:pt>
                 <c:pt idx="7">
-                  <c:v>2.5</c:v>
+                  <c:v>2.23</c:v>
                 </c:pt>
                 <c:pt idx="8">
                   <c:v>2</c:v>
@@ -645,7 +690,7 @@
           <a:p>
             <a:fld id="{1BA2035E-AB5E-4656-B48A-7DB4258DCBF2}" type="datetimeFigureOut">
               <a:rPr lang="ru-RU" smtClean="0"/>
-              <a:t>15.04.2021</a:t>
+              <a:t>16.04.2021</a:t>
             </a:fld>
             <a:endParaRPr lang="ru-RU"/>
           </a:p>
@@ -1143,7 +1188,7 @@
           <a:p>
             <a:fld id="{F9109524-591A-4F33-AD32-76F191976FF0}" type="datetimeFigureOut">
               <a:rPr lang="ru-RU" smtClean="0"/>
-              <a:t>15.04.2021</a:t>
+              <a:t>16.04.2021</a:t>
             </a:fld>
             <a:endParaRPr lang="ru-RU"/>
           </a:p>
@@ -1341,7 +1386,7 @@
           <a:p>
             <a:fld id="{F9109524-591A-4F33-AD32-76F191976FF0}" type="datetimeFigureOut">
               <a:rPr lang="ru-RU" smtClean="0"/>
-              <a:t>15.04.2021</a:t>
+              <a:t>16.04.2021</a:t>
             </a:fld>
             <a:endParaRPr lang="ru-RU"/>
           </a:p>
@@ -1549,7 +1594,7 @@
           <a:p>
             <a:fld id="{F9109524-591A-4F33-AD32-76F191976FF0}" type="datetimeFigureOut">
               <a:rPr lang="ru-RU" smtClean="0"/>
-              <a:t>15.04.2021</a:t>
+              <a:t>16.04.2021</a:t>
             </a:fld>
             <a:endParaRPr lang="ru-RU"/>
           </a:p>
@@ -1747,7 +1792,7 @@
           <a:p>
             <a:fld id="{F9109524-591A-4F33-AD32-76F191976FF0}" type="datetimeFigureOut">
               <a:rPr lang="ru-RU" smtClean="0"/>
-              <a:t>15.04.2021</a:t>
+              <a:t>16.04.2021</a:t>
             </a:fld>
             <a:endParaRPr lang="ru-RU"/>
           </a:p>
@@ -2022,7 +2067,7 @@
           <a:p>
             <a:fld id="{F9109524-591A-4F33-AD32-76F191976FF0}" type="datetimeFigureOut">
               <a:rPr lang="ru-RU" smtClean="0"/>
-              <a:t>15.04.2021</a:t>
+              <a:t>16.04.2021</a:t>
             </a:fld>
             <a:endParaRPr lang="ru-RU"/>
           </a:p>
@@ -2287,7 +2332,7 @@
           <a:p>
             <a:fld id="{F9109524-591A-4F33-AD32-76F191976FF0}" type="datetimeFigureOut">
               <a:rPr lang="ru-RU" smtClean="0"/>
-              <a:t>15.04.2021</a:t>
+              <a:t>16.04.2021</a:t>
             </a:fld>
             <a:endParaRPr lang="ru-RU"/>
           </a:p>
@@ -2699,7 +2744,7 @@
           <a:p>
             <a:fld id="{F9109524-591A-4F33-AD32-76F191976FF0}" type="datetimeFigureOut">
               <a:rPr lang="ru-RU" smtClean="0"/>
-              <a:t>15.04.2021</a:t>
+              <a:t>16.04.2021</a:t>
             </a:fld>
             <a:endParaRPr lang="ru-RU"/>
           </a:p>
@@ -2840,7 +2885,7 @@
           <a:p>
             <a:fld id="{F9109524-591A-4F33-AD32-76F191976FF0}" type="datetimeFigureOut">
               <a:rPr lang="ru-RU" smtClean="0"/>
-              <a:t>15.04.2021</a:t>
+              <a:t>16.04.2021</a:t>
             </a:fld>
             <a:endParaRPr lang="ru-RU"/>
           </a:p>
@@ -2953,7 +2998,7 @@
           <a:p>
             <a:fld id="{F9109524-591A-4F33-AD32-76F191976FF0}" type="datetimeFigureOut">
               <a:rPr lang="ru-RU" smtClean="0"/>
-              <a:t>15.04.2021</a:t>
+              <a:t>16.04.2021</a:t>
             </a:fld>
             <a:endParaRPr lang="ru-RU"/>
           </a:p>
@@ -3264,7 +3309,7 @@
           <a:p>
             <a:fld id="{F9109524-591A-4F33-AD32-76F191976FF0}" type="datetimeFigureOut">
               <a:rPr lang="ru-RU" smtClean="0"/>
-              <a:t>15.04.2021</a:t>
+              <a:t>16.04.2021</a:t>
             </a:fld>
             <a:endParaRPr lang="ru-RU"/>
           </a:p>
@@ -3552,7 +3597,7 @@
           <a:p>
             <a:fld id="{F9109524-591A-4F33-AD32-76F191976FF0}" type="datetimeFigureOut">
               <a:rPr lang="ru-RU" smtClean="0"/>
-              <a:t>15.04.2021</a:t>
+              <a:t>16.04.2021</a:t>
             </a:fld>
             <a:endParaRPr lang="ru-RU"/>
           </a:p>
@@ -3678,7 +3723,7 @@
           <a:graphicData uri="http://schemas.openxmlformats.org/presentationml/2006/ole">
             <mc:AlternateContent xmlns:mc="http://schemas.openxmlformats.org/markup-compatibility/2006">
               <mc:Choice xmlns:v="urn:schemas-microsoft-com:vml" Requires="v">
-                <p:oleObj spid="_x0000_s1040" name="Слайд think-cell" r:id="rId16" imgW="416" imgH="416" progId="TCLayout.ActiveDocument.1">
+                <p:oleObj spid="_x0000_s1042" name="Слайд think-cell" r:id="rId16" imgW="416" imgH="416" progId="TCLayout.ActiveDocument.1">
                   <p:embed/>
                 </p:oleObj>
               </mc:Choice>
@@ -3916,7 +3961,7 @@
           <a:p>
             <a:fld id="{F9109524-591A-4F33-AD32-76F191976FF0}" type="datetimeFigureOut">
               <a:rPr lang="ru-RU" smtClean="0"/>
-              <a:t>15.04.2021</a:t>
+              <a:t>16.04.2021</a:t>
             </a:fld>
             <a:endParaRPr lang="ru-RU"/>
           </a:p>
@@ -4348,7 +4393,7 @@
           <p:nvPr/>
         </p:nvPicPr>
         <p:blipFill rotWithShape="1">
-          <a:blip r:embed="rId17">
+          <a:blip r:embed="rId15">
             <a:extLst>
               <a:ext uri="{28A0092B-C50C-407E-A947-70E740481C1C}">
                 <a14:useLocalDpi xmlns:a14="http://schemas.microsoft.com/office/drawing/2010/main" val="0"/>
@@ -4360,7 +4405,7 @@
         </p:blipFill>
         <p:spPr>
           <a:xfrm>
-            <a:off x="1304968" y="1660301"/>
+            <a:off x="1348677" y="1667690"/>
             <a:ext cx="401834" cy="682685"/>
           </a:xfrm>
           <a:prstGeom prst="rect">
@@ -4384,7 +4429,7 @@
         </p:nvSpPr>
         <p:spPr>
           <a:xfrm>
-            <a:off x="1292316" y="1838872"/>
+            <a:off x="1350994" y="1849627"/>
             <a:ext cx="355808" cy="339180"/>
           </a:xfrm>
           <a:prstGeom prst="ellipse">
@@ -4441,7 +4486,7 @@
           <p:nvPr/>
         </p:nvPicPr>
         <p:blipFill rotWithShape="1">
-          <a:blip r:embed="rId17">
+          <a:blip r:embed="rId15">
             <a:extLst>
               <a:ext uri="{28A0092B-C50C-407E-A947-70E740481C1C}">
                 <a14:useLocalDpi xmlns:a14="http://schemas.microsoft.com/office/drawing/2010/main" val="0"/>
@@ -4453,7 +4498,7 @@
         </p:blipFill>
         <p:spPr>
           <a:xfrm>
-            <a:off x="4751718" y="3829052"/>
+            <a:off x="4765085" y="3468544"/>
             <a:ext cx="386693" cy="339039"/>
           </a:xfrm>
           <a:prstGeom prst="rect">
@@ -4477,7 +4522,7 @@
         </p:nvSpPr>
         <p:spPr>
           <a:xfrm>
-            <a:off x="4773415" y="3843582"/>
+            <a:off x="4778771" y="3495402"/>
             <a:ext cx="337366" cy="324509"/>
           </a:xfrm>
           <a:prstGeom prst="ellipse">
@@ -4550,12 +4595,12 @@
           <a:graphicData uri="http://schemas.openxmlformats.org/presentationml/2006/ole">
             <mc:AlternateContent xmlns:mc="http://schemas.openxmlformats.org/markup-compatibility/2006">
               <mc:Choice xmlns:v="urn:schemas-microsoft-com:vml" Requires="v">
-                <p:oleObj spid="_x0000_s2066" name="Слайд think-cell" r:id="rId18" imgW="416" imgH="416" progId="TCLayout.ActiveDocument.1">
+                <p:oleObj spid="_x0000_s2069" name="Слайд think-cell" r:id="rId16" imgW="416" imgH="416" progId="TCLayout.ActiveDocument.1">
                   <p:embed/>
                 </p:oleObj>
               </mc:Choice>
               <mc:Fallback>
-                <p:oleObj name="Слайд think-cell" r:id="rId18" imgW="416" imgH="416" progId="TCLayout.ActiveDocument.1">
+                <p:oleObj name="Слайд think-cell" r:id="rId16" imgW="416" imgH="416" progId="TCLayout.ActiveDocument.1">
                   <p:embed/>
                   <p:pic>
                     <p:nvPicPr>
@@ -4564,7 +4609,7 @@
                       <p:nvPr/>
                     </p:nvPicPr>
                     <p:blipFill>
-                      <a:blip r:embed="rId19"/>
+                      <a:blip r:embed="rId17"/>
                       <a:stretch>
                         <a:fillRect/>
                       </a:stretch>
@@ -4659,7 +4704,7 @@
             </p:custDataLst>
             <p:extLst>
               <p:ext uri="{D42A27DB-BD31-4B8C-83A1-F6EECF244321}">
-                <p14:modId xmlns:p14="http://schemas.microsoft.com/office/powerpoint/2010/main" val="740464720"/>
+                <p14:modId xmlns:p14="http://schemas.microsoft.com/office/powerpoint/2010/main" val="4187366881"/>
               </p:ext>
             </p:extLst>
           </p:nvPr>
@@ -4670,7 +4715,7 @@
         </p:xfrm>
         <a:graphic>
           <a:graphicData uri="http://schemas.openxmlformats.org/drawingml/2006/chart">
-            <c:chart xmlns:c="http://schemas.openxmlformats.org/drawingml/2006/chart" xmlns:r="http://schemas.openxmlformats.org/officeDocument/2006/relationships" r:id="rId20"/>
+            <c:chart xmlns:c="http://schemas.openxmlformats.org/drawingml/2006/chart" xmlns:r="http://schemas.openxmlformats.org/officeDocument/2006/relationships" r:id="rId18"/>
           </a:graphicData>
         </a:graphic>
       </p:graphicFrame>
@@ -4902,10 +4947,10 @@
       </p:sp>
       <p:cxnSp>
         <p:nvCxnSpPr>
-          <p:cNvPr id="348" name="Прямая соединительная линия 347">
-            <a:extLst>
-              <a:ext uri="{FF2B5EF4-FFF2-40B4-BE49-F238E27FC236}">
-                <a16:creationId xmlns:a16="http://schemas.microsoft.com/office/drawing/2014/main" id="{8B1DE706-C15B-4D3B-906D-CA649F7DBBF4}"/>
+          <p:cNvPr id="455" name="Прямая соединительная линия 454">
+            <a:extLst>
+              <a:ext uri="{FF2B5EF4-FFF2-40B4-BE49-F238E27FC236}">
+                <a16:creationId xmlns:a16="http://schemas.microsoft.com/office/drawing/2014/main" id="{23C2B445-4417-4EF3-8A58-D6777E5AA53C}"/>
               </a:ext>
             </a:extLst>
           </p:cNvPr>
@@ -4920,120 +4965,17 @@
         </p:nvCxnSpPr>
         <p:spPr bwMode="auto">
           <a:xfrm flipV="1">
-            <a:off x="2204245" y="1547814"/>
-            <a:ext cx="3265488" cy="1538288"/>
+            <a:off x="4947454" y="2008462"/>
+            <a:ext cx="0" cy="1420538"/>
           </a:xfrm>
           <a:prstGeom prst="line">
             <a:avLst/>
           </a:prstGeom>
-          <a:ln w="9525" cap="flat" cmpd="sng" algn="ctr">
+          <a:ln w="12700" cap="flat" cmpd="sng" algn="ctr">
             <a:solidFill>
               <a:schemeClr val="tx1"/>
             </a:solidFill>
-            <a:prstDash val="solid"/>
-            <a:miter lim="800000"/>
-            <a:headEnd type="none" w="med" len="med"/>
-            <a:tailEnd type="none" w="med" len="med"/>
-          </a:ln>
-        </p:spPr>
-        <p:style>
-          <a:lnRef idx="1">
-            <a:schemeClr val="accent1"/>
-          </a:lnRef>
-          <a:fillRef idx="0">
-            <a:schemeClr val="accent1"/>
-          </a:fillRef>
-          <a:effectRef idx="0">
-            <a:schemeClr val="accent1"/>
-          </a:effectRef>
-          <a:fontRef idx="minor">
-            <a:schemeClr val="tx1"/>
-          </a:fontRef>
-        </p:style>
-      </p:cxnSp>
-      <p:cxnSp>
-        <p:nvCxnSpPr>
-          <p:cNvPr id="455" name="Прямая соединительная линия 454">
-            <a:extLst>
-              <a:ext uri="{FF2B5EF4-FFF2-40B4-BE49-F238E27FC236}">
-                <a16:creationId xmlns:a16="http://schemas.microsoft.com/office/drawing/2014/main" id="{23C2B445-4417-4EF3-8A58-D6777E5AA53C}"/>
-              </a:ext>
-            </a:extLst>
-          </p:cNvPr>
-          <p:cNvCxnSpPr>
-            <a:cxnSpLocks noChangeAspect="1"/>
-            <a:stCxn id="561" idx="0"/>
-          </p:cNvCxnSpPr>
-          <p:nvPr>
-            <p:custDataLst>
-              <p:tags r:id="rId7"/>
-            </p:custDataLst>
-          </p:nvPr>
-        </p:nvCxnSpPr>
-        <p:spPr bwMode="auto">
-          <a:xfrm flipV="1">
-            <a:off x="4945065" y="1962756"/>
-            <a:ext cx="11146" cy="1866296"/>
-          </a:xfrm>
-          <a:prstGeom prst="line">
-            <a:avLst/>
-          </a:prstGeom>
-          <a:ln w="19050" cap="flat" cmpd="sng" algn="ctr">
-            <a:solidFill>
-              <a:schemeClr val="tx1"/>
-            </a:solidFill>
-            <a:prstDash val="sysDot"/>
-            <a:miter lim="800000"/>
-            <a:headEnd type="none" w="med" len="med"/>
-            <a:tailEnd type="none" w="med" len="med"/>
-          </a:ln>
-        </p:spPr>
-        <p:style>
-          <a:lnRef idx="1">
-            <a:schemeClr val="accent1"/>
-          </a:lnRef>
-          <a:fillRef idx="0">
-            <a:schemeClr val="accent1"/>
-          </a:fillRef>
-          <a:effectRef idx="0">
-            <a:schemeClr val="accent1"/>
-          </a:effectRef>
-          <a:fontRef idx="minor">
-            <a:schemeClr val="tx1"/>
-          </a:fontRef>
-        </p:style>
-      </p:cxnSp>
-      <p:cxnSp>
-        <p:nvCxnSpPr>
-          <p:cNvPr id="445" name="Прямая соединительная линия 444">
-            <a:extLst>
-              <a:ext uri="{FF2B5EF4-FFF2-40B4-BE49-F238E27FC236}">
-                <a16:creationId xmlns:a16="http://schemas.microsoft.com/office/drawing/2014/main" id="{648D6558-7CCC-4F20-AC09-DDD1BE0A6781}"/>
-              </a:ext>
-            </a:extLst>
-          </p:cNvPr>
-          <p:cNvCxnSpPr>
-            <a:cxnSpLocks noChangeAspect="1"/>
-          </p:cNvCxnSpPr>
-          <p:nvPr>
-            <p:custDataLst>
-              <p:tags r:id="rId8"/>
-            </p:custDataLst>
-          </p:nvPr>
-        </p:nvCxnSpPr>
-        <p:spPr bwMode="auto">
-          <a:xfrm>
-            <a:off x="1756570" y="1987551"/>
-            <a:ext cx="3200400" cy="0"/>
-          </a:xfrm>
-          <a:prstGeom prst="line">
-            <a:avLst/>
-          </a:prstGeom>
-          <a:ln w="19050" cap="flat" cmpd="sng" algn="ctr">
-            <a:solidFill>
-              <a:schemeClr val="tx1"/>
-            </a:solidFill>
-            <a:prstDash val="sysDot"/>
+            <a:prstDash val="dash"/>
             <a:miter lim="800000"/>
             <a:headEnd type="none" w="med" len="med"/>
             <a:tailEnd type="none" w="med" len="med"/>
@@ -5068,7 +5010,7 @@
           </p:cNvCxnSpPr>
           <p:nvPr>
             <p:custDataLst>
-              <p:tags r:id="rId9"/>
+              <p:tags r:id="rId7"/>
             </p:custDataLst>
           </p:nvPr>
         </p:nvCxnSpPr>
@@ -5119,7 +5061,7 @@
           </p:cNvCxnSpPr>
           <p:nvPr>
             <p:custDataLst>
-              <p:tags r:id="rId10"/>
+              <p:tags r:id="rId8"/>
             </p:custDataLst>
           </p:nvPr>
         </p:nvCxnSpPr>
@@ -5131,7 +5073,7 @@
           <a:prstGeom prst="line">
             <a:avLst/>
           </a:prstGeom>
-          <a:ln w="9525" cap="flat" cmpd="sng" algn="ctr">
+          <a:ln w="12700" cap="flat" cmpd="sng" algn="ctr">
             <a:solidFill>
               <a:schemeClr val="tx1"/>
             </a:solidFill>
@@ -5170,19 +5112,19 @@
           </p:cNvCxnSpPr>
           <p:nvPr>
             <p:custDataLst>
-              <p:tags r:id="rId11"/>
+              <p:tags r:id="rId9"/>
             </p:custDataLst>
           </p:nvPr>
         </p:nvCxnSpPr>
         <p:spPr bwMode="auto">
           <a:xfrm>
             <a:off x="2396333" y="2755901"/>
-            <a:ext cx="0" cy="1063625"/>
+            <a:ext cx="0" cy="673099"/>
           </a:xfrm>
           <a:prstGeom prst="line">
             <a:avLst/>
           </a:prstGeom>
-          <a:ln w="9525" cap="flat" cmpd="sng" algn="ctr">
+          <a:ln w="12700" cap="flat" cmpd="sng" algn="ctr">
             <a:solidFill>
               <a:schemeClr val="tx1"/>
             </a:solidFill>
@@ -5222,7 +5164,7 @@
           <p:nvPr/>
         </p:nvPicPr>
         <p:blipFill rotWithShape="1">
-          <a:blip r:embed="rId17">
+          <a:blip r:embed="rId15">
             <a:extLst>
               <a:ext uri="{28A0092B-C50C-407E-A947-70E740481C1C}">
                 <a14:useLocalDpi xmlns:a14="http://schemas.microsoft.com/office/drawing/2010/main" val="0"/>
@@ -5234,7 +5176,7 @@
         </p:blipFill>
         <p:spPr>
           <a:xfrm>
-            <a:off x="2267088" y="3885916"/>
+            <a:off x="2296530" y="3447572"/>
             <a:ext cx="258489" cy="266015"/>
           </a:xfrm>
           <a:prstGeom prst="rect">
@@ -5257,7 +5199,7 @@
           <p:nvPr/>
         </p:nvPicPr>
         <p:blipFill rotWithShape="1">
-          <a:blip r:embed="rId17">
+          <a:blip r:embed="rId15">
             <a:extLst>
               <a:ext uri="{28A0092B-C50C-407E-A947-70E740481C1C}">
                 <a14:useLocalDpi xmlns:a14="http://schemas.microsoft.com/office/drawing/2010/main" val="0"/>
@@ -5269,7 +5211,7 @@
         </p:blipFill>
         <p:spPr>
           <a:xfrm>
-            <a:off x="1207167" y="2501503"/>
+            <a:off x="1301829" y="2459759"/>
             <a:ext cx="368101" cy="475061"/>
           </a:xfrm>
           <a:prstGeom prst="rect">
@@ -5292,7 +5234,7 @@
           <p:nvPr/>
         </p:nvPicPr>
         <p:blipFill rotWithShape="1">
-          <a:blip r:embed="rId17">
+          <a:blip r:embed="rId15">
             <a:extLst>
               <a:ext uri="{28A0092B-C50C-407E-A947-70E740481C1C}">
                 <a14:useLocalDpi xmlns:a14="http://schemas.microsoft.com/office/drawing/2010/main" val="0"/>
@@ -5326,14 +5268,14 @@
           </p:cNvSpPr>
           <p:nvPr>
             <p:custDataLst>
-              <p:tags r:id="rId12"/>
+              <p:tags r:id="rId10"/>
             </p:custDataLst>
           </p:nvPr>
         </p:nvSpPr>
         <p:spPr bwMode="auto">
           <a:xfrm>
-            <a:off x="1900332" y="1017590"/>
-            <a:ext cx="88900" cy="88900"/>
+            <a:off x="1927491" y="1030091"/>
+            <a:ext cx="75486" cy="75486"/>
           </a:xfrm>
           <a:prstGeom prst="rect">
             <a:avLst/>
@@ -5390,13 +5332,13 @@
           </p:cNvSpPr>
           <p:nvPr>
             <p:custDataLst>
-              <p:tags r:id="rId13"/>
+              <p:tags r:id="rId11"/>
             </p:custDataLst>
           </p:nvPr>
         </p:nvSpPr>
         <p:spPr bwMode="auto">
           <a:xfrm>
-            <a:off x="1900332" y="1441450"/>
+            <a:off x="1921769" y="1387756"/>
             <a:ext cx="88900" cy="88900"/>
           </a:xfrm>
           <a:prstGeom prst="ellipse">
@@ -5455,7 +5397,7 @@
           <p:nvPr/>
         </p:nvPicPr>
         <p:blipFill rotWithShape="1">
-          <a:blip r:embed="rId17">
+          <a:blip r:embed="rId15">
             <a:extLst>
               <a:ext uri="{28A0092B-C50C-407E-A947-70E740481C1C}">
                 <a14:useLocalDpi xmlns:a14="http://schemas.microsoft.com/office/drawing/2010/main" val="0"/>
@@ -5467,7 +5409,7 @@
         </p:blipFill>
         <p:spPr>
           <a:xfrm>
-            <a:off x="5993047" y="3866074"/>
+            <a:off x="5964463" y="3496416"/>
             <a:ext cx="513875" cy="371493"/>
           </a:xfrm>
           <a:prstGeom prst="rect">
@@ -5491,7 +5433,7 @@
         </p:nvCxnSpPr>
         <p:spPr>
           <a:xfrm>
-            <a:off x="4646428" y="1533827"/>
+            <a:off x="4579931" y="1402742"/>
             <a:ext cx="412345" cy="146955"/>
           </a:xfrm>
           <a:prstGeom prst="line">
@@ -5532,7 +5474,7 @@
           </p:cNvSpPr>
           <p:nvPr>
             <p:custDataLst>
-              <p:tags r:id="rId14"/>
+              <p:tags r:id="rId12"/>
             </p:custDataLst>
           </p:nvPr>
         </p:nvSpPr>
@@ -5597,7 +5539,7 @@
           <p:nvPr/>
         </p:nvPicPr>
         <p:blipFill rotWithShape="1">
-          <a:blip r:embed="rId21">
+          <a:blip r:embed="rId19">
             <a:extLst>
               <a:ext uri="{28A0092B-C50C-407E-A947-70E740481C1C}">
                 <a14:useLocalDpi xmlns:a14="http://schemas.microsoft.com/office/drawing/2010/main" val="0"/>
@@ -5609,7 +5551,7 @@
         </p:blipFill>
         <p:spPr>
           <a:xfrm>
-            <a:off x="2120994" y="4205235"/>
+            <a:off x="2148048" y="3865929"/>
             <a:ext cx="3843469" cy="489036"/>
           </a:xfrm>
           <a:prstGeom prst="rect">
@@ -5639,7 +5581,7 @@
         </p:nvCxnSpPr>
         <p:spPr>
           <a:xfrm flipV="1">
-            <a:off x="2142691" y="4005837"/>
+            <a:off x="2148047" y="3657657"/>
             <a:ext cx="2630724" cy="199398"/>
           </a:xfrm>
           <a:prstGeom prst="line">
@@ -5683,7 +5625,7 @@
         </p:nvCxnSpPr>
         <p:spPr>
           <a:xfrm flipH="1" flipV="1">
-            <a:off x="5110781" y="4005837"/>
+            <a:off x="5116137" y="3657657"/>
             <a:ext cx="875380" cy="199276"/>
           </a:xfrm>
           <a:prstGeom prst="line">
@@ -5725,7 +5667,7 @@
           <p:nvPr/>
         </p:nvPicPr>
         <p:blipFill rotWithShape="1">
-          <a:blip r:embed="rId22">
+          <a:blip r:embed="rId20">
             <a:extLst>
               <a:ext uri="{28A0092B-C50C-407E-A947-70E740481C1C}">
                 <a14:useLocalDpi xmlns:a14="http://schemas.microsoft.com/office/drawing/2010/main" val="0"/>
@@ -5737,7 +5679,7 @@
         </p:blipFill>
         <p:spPr>
           <a:xfrm rot="16200000" flipV="1">
-            <a:off x="-184349" y="1846297"/>
+            <a:off x="-132148" y="1854148"/>
             <a:ext cx="2268215" cy="324332"/>
           </a:xfrm>
           <a:prstGeom prst="rect">
@@ -5765,7 +5707,7 @@
           <p:nvPr/>
         </p:nvPicPr>
         <p:blipFill>
-          <a:blip r:embed="rId23">
+          <a:blip r:embed="rId21">
             <a:extLst>
               <a:ext uri="{28A0092B-C50C-407E-A947-70E740481C1C}">
                 <a14:useLocalDpi xmlns:a14="http://schemas.microsoft.com/office/drawing/2010/main" val="0"/>
@@ -5778,7 +5720,7 @@
         </p:blipFill>
         <p:spPr>
           <a:xfrm>
-            <a:off x="1175613" y="2908909"/>
+            <a:off x="1192249" y="2862224"/>
             <a:ext cx="551368" cy="365722"/>
           </a:xfrm>
           <a:prstGeom prst="rect">
@@ -5796,13 +5738,14 @@
             </a:extLst>
           </p:cNvPr>
           <p:cNvCxnSpPr>
+            <a:cxnSpLocks/>
             <a:stCxn id="41" idx="0"/>
           </p:cNvCxnSpPr>
           <p:nvPr/>
         </p:nvCxnSpPr>
         <p:spPr>
           <a:xfrm flipH="1" flipV="1">
-            <a:off x="1111925" y="874355"/>
+            <a:off x="1170603" y="885110"/>
             <a:ext cx="358295" cy="964517"/>
           </a:xfrm>
           <a:prstGeom prst="line">
@@ -5846,7 +5789,7 @@
         </p:nvCxnSpPr>
         <p:spPr>
           <a:xfrm flipH="1">
-            <a:off x="1114943" y="2178052"/>
+            <a:off x="1173621" y="2188807"/>
             <a:ext cx="355277" cy="964519"/>
           </a:xfrm>
           <a:prstGeom prst="line">
@@ -5888,7 +5831,7 @@
           <p:nvPr/>
         </p:nvPicPr>
         <p:blipFill rotWithShape="1">
-          <a:blip r:embed="rId23">
+          <a:blip r:embed="rId21">
             <a:extLst>
               <a:ext uri="{28A0092B-C50C-407E-A947-70E740481C1C}">
                 <a14:useLocalDpi xmlns:a14="http://schemas.microsoft.com/office/drawing/2010/main" val="0"/>
@@ -5900,7 +5843,7 @@
         </p:blipFill>
         <p:spPr>
           <a:xfrm>
-            <a:off x="4487865" y="1217697"/>
+            <a:off x="4415007" y="1107865"/>
             <a:ext cx="164924" cy="463086"/>
           </a:xfrm>
           <a:prstGeom prst="rect">
@@ -5923,7 +5866,7 @@
           <p:nvPr/>
         </p:nvPicPr>
         <p:blipFill>
-          <a:blip r:embed="rId24">
+          <a:blip r:embed="rId22">
             <a:extLst>
               <a:ext uri="{28A0092B-C50C-407E-A947-70E740481C1C}">
                 <a14:useLocalDpi xmlns:a14="http://schemas.microsoft.com/office/drawing/2010/main" val="0"/>
@@ -5937,13 +5880,186 @@
         <p:spPr>
           <a:xfrm>
             <a:off x="2116232" y="908806"/>
-            <a:ext cx="716144" cy="706782"/>
+            <a:ext cx="649380" cy="640891"/>
           </a:xfrm>
           <a:prstGeom prst="rect">
             <a:avLst/>
           </a:prstGeom>
         </p:spPr>
       </p:pic>
+      <p:cxnSp>
+        <p:nvCxnSpPr>
+          <p:cNvPr id="3" name="Прямая соединительная линия 2">
+            <a:extLst>
+              <a:ext uri="{FF2B5EF4-FFF2-40B4-BE49-F238E27FC236}">
+                <a16:creationId xmlns:a16="http://schemas.microsoft.com/office/drawing/2014/main" id="{EED92AD8-7AD0-9E44-88C0-E94E020FEF54}"/>
+              </a:ext>
+            </a:extLst>
+          </p:cNvPr>
+          <p:cNvCxnSpPr>
+            <a:cxnSpLocks/>
+          </p:cNvCxnSpPr>
+          <p:nvPr/>
+        </p:nvCxnSpPr>
+        <p:spPr>
+          <a:xfrm>
+            <a:off x="1805554" y="882206"/>
+            <a:ext cx="4515079" cy="1"/>
+          </a:xfrm>
+          <a:prstGeom prst="line">
+            <a:avLst/>
+          </a:prstGeom>
+          <a:ln w="25400">
+            <a:solidFill>
+              <a:schemeClr val="bg1"/>
+            </a:solidFill>
+          </a:ln>
+        </p:spPr>
+        <p:style>
+          <a:lnRef idx="1">
+            <a:schemeClr val="accent1"/>
+          </a:lnRef>
+          <a:fillRef idx="0">
+            <a:schemeClr val="accent1"/>
+          </a:fillRef>
+          <a:effectRef idx="0">
+            <a:schemeClr val="accent1"/>
+          </a:effectRef>
+          <a:fontRef idx="minor">
+            <a:schemeClr val="tx1"/>
+          </a:fontRef>
+        </p:style>
+      </p:cxnSp>
+      <p:cxnSp>
+        <p:nvCxnSpPr>
+          <p:cNvPr id="15" name="Прямая соединительная линия 14">
+            <a:extLst>
+              <a:ext uri="{FF2B5EF4-FFF2-40B4-BE49-F238E27FC236}">
+                <a16:creationId xmlns:a16="http://schemas.microsoft.com/office/drawing/2014/main" id="{064FB097-F535-B849-B967-B9968F91FEDA}"/>
+              </a:ext>
+            </a:extLst>
+          </p:cNvPr>
+          <p:cNvCxnSpPr>
+            <a:cxnSpLocks/>
+          </p:cNvCxnSpPr>
+          <p:nvPr/>
+        </p:nvCxnSpPr>
+        <p:spPr>
+          <a:xfrm flipV="1">
+            <a:off x="6217920" y="874355"/>
+            <a:ext cx="11146" cy="2945171"/>
+          </a:xfrm>
+          <a:prstGeom prst="line">
+            <a:avLst/>
+          </a:prstGeom>
+          <a:ln w="50800">
+            <a:solidFill>
+              <a:schemeClr val="bg1"/>
+            </a:solidFill>
+          </a:ln>
+        </p:spPr>
+        <p:style>
+          <a:lnRef idx="1">
+            <a:schemeClr val="accent1"/>
+          </a:lnRef>
+          <a:fillRef idx="0">
+            <a:schemeClr val="accent1"/>
+          </a:fillRef>
+          <a:effectRef idx="0">
+            <a:schemeClr val="accent1"/>
+          </a:effectRef>
+          <a:fontRef idx="minor">
+            <a:schemeClr val="tx1"/>
+          </a:fontRef>
+        </p:style>
+      </p:cxnSp>
+      <p:cxnSp>
+        <p:nvCxnSpPr>
+          <p:cNvPr id="36" name="Прямая соединительная линия 35">
+            <a:extLst>
+              <a:ext uri="{FF2B5EF4-FFF2-40B4-BE49-F238E27FC236}">
+                <a16:creationId xmlns:a16="http://schemas.microsoft.com/office/drawing/2014/main" id="{76D0CAD3-FEF8-654D-834A-4D6CC614DD5D}"/>
+              </a:ext>
+            </a:extLst>
+          </p:cNvPr>
+          <p:cNvCxnSpPr>
+            <a:cxnSpLocks/>
+          </p:cNvCxnSpPr>
+          <p:nvPr/>
+        </p:nvCxnSpPr>
+        <p:spPr>
+          <a:xfrm flipV="1">
+            <a:off x="1756570" y="1991450"/>
+            <a:ext cx="3196260" cy="1085"/>
+          </a:xfrm>
+          <a:prstGeom prst="line">
+            <a:avLst/>
+          </a:prstGeom>
+          <a:ln w="12700">
+            <a:solidFill>
+              <a:schemeClr val="tx1"/>
+            </a:solidFill>
+            <a:prstDash val="dash"/>
+          </a:ln>
+        </p:spPr>
+        <p:style>
+          <a:lnRef idx="1">
+            <a:schemeClr val="accent1"/>
+          </a:lnRef>
+          <a:fillRef idx="0">
+            <a:schemeClr val="accent1"/>
+          </a:fillRef>
+          <a:effectRef idx="0">
+            <a:schemeClr val="accent1"/>
+          </a:effectRef>
+          <a:fontRef idx="minor">
+            <a:schemeClr val="tx1"/>
+          </a:fontRef>
+        </p:style>
+      </p:cxnSp>
+      <p:cxnSp>
+        <p:nvCxnSpPr>
+          <p:cNvPr id="45" name="Прямая соединительная линия 44">
+            <a:extLst>
+              <a:ext uri="{FF2B5EF4-FFF2-40B4-BE49-F238E27FC236}">
+                <a16:creationId xmlns:a16="http://schemas.microsoft.com/office/drawing/2014/main" id="{57F43F26-ED44-9548-BA84-9354F5DEB42F}"/>
+              </a:ext>
+            </a:extLst>
+          </p:cNvPr>
+          <p:cNvCxnSpPr>
+            <a:cxnSpLocks/>
+          </p:cNvCxnSpPr>
+          <p:nvPr/>
+        </p:nvCxnSpPr>
+        <p:spPr>
+          <a:xfrm flipV="1">
+            <a:off x="2015128" y="1485901"/>
+            <a:ext cx="3354575" cy="1673724"/>
+          </a:xfrm>
+          <a:prstGeom prst="line">
+            <a:avLst/>
+          </a:prstGeom>
+          <a:ln w="19050">
+            <a:solidFill>
+              <a:schemeClr val="tx1"/>
+            </a:solidFill>
+          </a:ln>
+        </p:spPr>
+        <p:style>
+          <a:lnRef idx="1">
+            <a:schemeClr val="accent1"/>
+          </a:lnRef>
+          <a:fillRef idx="0">
+            <a:schemeClr val="accent1"/>
+          </a:fillRef>
+          <a:effectRef idx="0">
+            <a:schemeClr val="accent1"/>
+          </a:effectRef>
+          <a:fontRef idx="minor">
+            <a:schemeClr val="tx1"/>
+          </a:fontRef>
+        </p:style>
+      </p:cxnSp>
     </p:spTree>
     <p:extLst>
       <p:ext uri="{BB962C8B-B14F-4D97-AF65-F5344CB8AC3E}">
@@ -6147,41 +6263,29 @@
 
 <file path=ppt/tags/tag10.xml><?xml version="1.0" encoding="utf-8"?>
 <p:tagLst xmlns:a="http://schemas.openxmlformats.org/drawingml/2006/main" xmlns:r="http://schemas.openxmlformats.org/officeDocument/2006/relationships" xmlns:p="http://schemas.openxmlformats.org/presentationml/2006/main">
-  <p:tag name="THINKCELLSHAPEDONOTDELETE" val="tOiKpR9KKFv9NMXBK1VyGog"/>
+  <p:tag name="THINKCELLSHAPEDONOTDELETE" val="tGsodAOrCAoc8UIj.Ch4exg"/>
 </p:tagLst>
 </file>
 
 <file path=ppt/tags/tag11.xml><?xml version="1.0" encoding="utf-8"?>
 <p:tagLst xmlns:a="http://schemas.openxmlformats.org/drawingml/2006/main" xmlns:r="http://schemas.openxmlformats.org/officeDocument/2006/relationships" xmlns:p="http://schemas.openxmlformats.org/presentationml/2006/main">
-  <p:tag name="THINKCELLSHAPEDONOTDELETE" val="t.vTrvXIAFSovdOkW.hQP3w"/>
+  <p:tag name="THINKCELLSHAPEDONOTDELETE" val="t1Pk5o5plQ2u3a6A96kZC8A"/>
 </p:tagLst>
 </file>
 
 <file path=ppt/tags/tag12.xml><?xml version="1.0" encoding="utf-8"?>
 <p:tagLst xmlns:a="http://schemas.openxmlformats.org/drawingml/2006/main" xmlns:r="http://schemas.openxmlformats.org/officeDocument/2006/relationships" xmlns:p="http://schemas.openxmlformats.org/presentationml/2006/main">
-  <p:tag name="THINKCELLSHAPEDONOTDELETE" val="tGsodAOrCAoc8UIj.Ch4exg"/>
+  <p:tag name="THINKCELLSHAPEDONOTDELETE" val="thMHqGRaIP_ERPhPqRaRmtQ"/>
 </p:tagLst>
 </file>
 
 <file path=ppt/tags/tag13.xml><?xml version="1.0" encoding="utf-8"?>
 <p:tagLst xmlns:a="http://schemas.openxmlformats.org/drawingml/2006/main" xmlns:r="http://schemas.openxmlformats.org/officeDocument/2006/relationships" xmlns:p="http://schemas.openxmlformats.org/presentationml/2006/main">
-  <p:tag name="THINKCELLSHAPEDONOTDELETE" val="t1Pk5o5plQ2u3a6A96kZC8A"/>
+  <p:tag name="THINKCELLSHAPEDONOTDELETE" val="txRvDHuumTtzBRy29TzSjxQ"/>
 </p:tagLst>
 </file>
 
 <file path=ppt/tags/tag14.xml><?xml version="1.0" encoding="utf-8"?>
-<p:tagLst xmlns:a="http://schemas.openxmlformats.org/drawingml/2006/main" xmlns:r="http://schemas.openxmlformats.org/officeDocument/2006/relationships" xmlns:p="http://schemas.openxmlformats.org/presentationml/2006/main">
-  <p:tag name="THINKCELLSHAPEDONOTDELETE" val="thMHqGRaIP_ERPhPqRaRmtQ"/>
-</p:tagLst>
-</file>
-
-<file path=ppt/tags/tag15.xml><?xml version="1.0" encoding="utf-8"?>
-<p:tagLst xmlns:a="http://schemas.openxmlformats.org/drawingml/2006/main" xmlns:r="http://schemas.openxmlformats.org/officeDocument/2006/relationships" xmlns:p="http://schemas.openxmlformats.org/presentationml/2006/main">
-  <p:tag name="THINKCELLSHAPEDONOTDELETE" val="txRvDHuumTtzBRy29TzSjxQ"/>
-</p:tagLst>
-</file>
-
-<file path=ppt/tags/tag16.xml><?xml version="1.0" encoding="utf-8"?>
 <p:tagLst xmlns:a="http://schemas.openxmlformats.org/drawingml/2006/main" xmlns:r="http://schemas.openxmlformats.org/officeDocument/2006/relationships" xmlns:p="http://schemas.openxmlformats.org/presentationml/2006/main">
   <p:tag name="THINKCELLSHAPEDONOTDELETE" val="thMHqGRaIP_ERPhPqRaRmtQ"/>
 </p:tagLst>
@@ -6225,13 +6329,13 @@
 
 <file path=ppt/tags/tag8.xml><?xml version="1.0" encoding="utf-8"?>
 <p:tagLst xmlns:a="http://schemas.openxmlformats.org/drawingml/2006/main" xmlns:r="http://schemas.openxmlformats.org/officeDocument/2006/relationships" xmlns:p="http://schemas.openxmlformats.org/presentationml/2006/main">
-  <p:tag name="THINKCELLSHAPEDONOTDELETE" val="tijmipCmc5BmoNxQpNd9U4Q"/>
+  <p:tag name="THINKCELLSHAPEDONOTDELETE" val="tKRkSn6kRoJ5haABN6LKdRg"/>
 </p:tagLst>
 </file>
 
 <file path=ppt/tags/tag9.xml><?xml version="1.0" encoding="utf-8"?>
 <p:tagLst xmlns:a="http://schemas.openxmlformats.org/drawingml/2006/main" xmlns:r="http://schemas.openxmlformats.org/officeDocument/2006/relationships" xmlns:p="http://schemas.openxmlformats.org/presentationml/2006/main">
-  <p:tag name="THINKCELLSHAPEDONOTDELETE" val="tKRkSn6kRoJ5haABN6LKdRg"/>
+  <p:tag name="THINKCELLSHAPEDONOTDELETE" val="t.vTrvXIAFSovdOkW.hQP3w"/>
 </p:tagLst>
 </file>
 

--- a/pres/figs.pptx
+++ b/pres/figs.pptx
@@ -5,16 +5,17 @@
     <p:sldMasterId id="2147483648" r:id="rId1"/>
   </p:sldMasterIdLst>
   <p:notesMasterIdLst>
-    <p:notesMasterId r:id="rId4"/>
+    <p:notesMasterId r:id="rId5"/>
   </p:notesMasterIdLst>
   <p:sldIdLst>
     <p:sldId id="256" r:id="rId2"/>
     <p:sldId id="257" r:id="rId3"/>
+    <p:sldId id="258" r:id="rId4"/>
   </p:sldIdLst>
   <p:sldSz cx="12192000" cy="6858000"/>
   <p:notesSz cx="6858000" cy="9144000"/>
   <p:custDataLst>
-    <p:tags r:id="rId5"/>
+    <p:tags r:id="rId6"/>
   </p:custDataLst>
   <p:defaultTextStyle>
     <a:defPPr>
@@ -690,7 +691,7 @@
           <a:p>
             <a:fld id="{1BA2035E-AB5E-4656-B48A-7DB4258DCBF2}" type="datetimeFigureOut">
               <a:rPr lang="ru-RU" smtClean="0"/>
-              <a:t>16.04.2021</a:t>
+              <a:t>05.05.2021</a:t>
             </a:fld>
             <a:endParaRPr lang="ru-RU"/>
           </a:p>
@@ -1188,7 +1189,7 @@
           <a:p>
             <a:fld id="{F9109524-591A-4F33-AD32-76F191976FF0}" type="datetimeFigureOut">
               <a:rPr lang="ru-RU" smtClean="0"/>
-              <a:t>16.04.2021</a:t>
+              <a:t>05.05.2021</a:t>
             </a:fld>
             <a:endParaRPr lang="ru-RU"/>
           </a:p>
@@ -1386,7 +1387,7 @@
           <a:p>
             <a:fld id="{F9109524-591A-4F33-AD32-76F191976FF0}" type="datetimeFigureOut">
               <a:rPr lang="ru-RU" smtClean="0"/>
-              <a:t>16.04.2021</a:t>
+              <a:t>05.05.2021</a:t>
             </a:fld>
             <a:endParaRPr lang="ru-RU"/>
           </a:p>
@@ -1594,7 +1595,7 @@
           <a:p>
             <a:fld id="{F9109524-591A-4F33-AD32-76F191976FF0}" type="datetimeFigureOut">
               <a:rPr lang="ru-RU" smtClean="0"/>
-              <a:t>16.04.2021</a:t>
+              <a:t>05.05.2021</a:t>
             </a:fld>
             <a:endParaRPr lang="ru-RU"/>
           </a:p>
@@ -1792,7 +1793,7 @@
           <a:p>
             <a:fld id="{F9109524-591A-4F33-AD32-76F191976FF0}" type="datetimeFigureOut">
               <a:rPr lang="ru-RU" smtClean="0"/>
-              <a:t>16.04.2021</a:t>
+              <a:t>05.05.2021</a:t>
             </a:fld>
             <a:endParaRPr lang="ru-RU"/>
           </a:p>
@@ -2067,7 +2068,7 @@
           <a:p>
             <a:fld id="{F9109524-591A-4F33-AD32-76F191976FF0}" type="datetimeFigureOut">
               <a:rPr lang="ru-RU" smtClean="0"/>
-              <a:t>16.04.2021</a:t>
+              <a:t>05.05.2021</a:t>
             </a:fld>
             <a:endParaRPr lang="ru-RU"/>
           </a:p>
@@ -2332,7 +2333,7 @@
           <a:p>
             <a:fld id="{F9109524-591A-4F33-AD32-76F191976FF0}" type="datetimeFigureOut">
               <a:rPr lang="ru-RU" smtClean="0"/>
-              <a:t>16.04.2021</a:t>
+              <a:t>05.05.2021</a:t>
             </a:fld>
             <a:endParaRPr lang="ru-RU"/>
           </a:p>
@@ -2744,7 +2745,7 @@
           <a:p>
             <a:fld id="{F9109524-591A-4F33-AD32-76F191976FF0}" type="datetimeFigureOut">
               <a:rPr lang="ru-RU" smtClean="0"/>
-              <a:t>16.04.2021</a:t>
+              <a:t>05.05.2021</a:t>
             </a:fld>
             <a:endParaRPr lang="ru-RU"/>
           </a:p>
@@ -2885,7 +2886,7 @@
           <a:p>
             <a:fld id="{F9109524-591A-4F33-AD32-76F191976FF0}" type="datetimeFigureOut">
               <a:rPr lang="ru-RU" smtClean="0"/>
-              <a:t>16.04.2021</a:t>
+              <a:t>05.05.2021</a:t>
             </a:fld>
             <a:endParaRPr lang="ru-RU"/>
           </a:p>
@@ -2998,7 +2999,7 @@
           <a:p>
             <a:fld id="{F9109524-591A-4F33-AD32-76F191976FF0}" type="datetimeFigureOut">
               <a:rPr lang="ru-RU" smtClean="0"/>
-              <a:t>16.04.2021</a:t>
+              <a:t>05.05.2021</a:t>
             </a:fld>
             <a:endParaRPr lang="ru-RU"/>
           </a:p>
@@ -3309,7 +3310,7 @@
           <a:p>
             <a:fld id="{F9109524-591A-4F33-AD32-76F191976FF0}" type="datetimeFigureOut">
               <a:rPr lang="ru-RU" smtClean="0"/>
-              <a:t>16.04.2021</a:t>
+              <a:t>05.05.2021</a:t>
             </a:fld>
             <a:endParaRPr lang="ru-RU"/>
           </a:p>
@@ -3597,7 +3598,7 @@
           <a:p>
             <a:fld id="{F9109524-591A-4F33-AD32-76F191976FF0}" type="datetimeFigureOut">
               <a:rPr lang="ru-RU" smtClean="0"/>
-              <a:t>16.04.2021</a:t>
+              <a:t>05.05.2021</a:t>
             </a:fld>
             <a:endParaRPr lang="ru-RU"/>
           </a:p>
@@ -3723,7 +3724,7 @@
           <a:graphicData uri="http://schemas.openxmlformats.org/presentationml/2006/ole">
             <mc:AlternateContent xmlns:mc="http://schemas.openxmlformats.org/markup-compatibility/2006">
               <mc:Choice xmlns:v="urn:schemas-microsoft-com:vml" Requires="v">
-                <p:oleObj spid="_x0000_s1042" name="Слайд think-cell" r:id="rId16" imgW="416" imgH="416" progId="TCLayout.ActiveDocument.1">
+                <p:oleObj spid="_x0000_s1044" name="Слайд think-cell" r:id="rId16" imgW="416" imgH="416" progId="TCLayout.ActiveDocument.1">
                   <p:embed/>
                 </p:oleObj>
               </mc:Choice>
@@ -3961,7 +3962,7 @@
           <a:p>
             <a:fld id="{F9109524-591A-4F33-AD32-76F191976FF0}" type="datetimeFigureOut">
               <a:rPr lang="ru-RU" smtClean="0"/>
-              <a:t>16.04.2021</a:t>
+              <a:t>05.05.2021</a:t>
             </a:fld>
             <a:endParaRPr lang="ru-RU"/>
           </a:p>
@@ -4595,7 +4596,7 @@
           <a:graphicData uri="http://schemas.openxmlformats.org/presentationml/2006/ole">
             <mc:AlternateContent xmlns:mc="http://schemas.openxmlformats.org/markup-compatibility/2006">
               <mc:Choice xmlns:v="urn:schemas-microsoft-com:vml" Requires="v">
-                <p:oleObj spid="_x0000_s2069" name="Слайд think-cell" r:id="rId16" imgW="416" imgH="416" progId="TCLayout.ActiveDocument.1">
+                <p:oleObj spid="_x0000_s2071" name="Слайд think-cell" r:id="rId16" imgW="416" imgH="416" progId="TCLayout.ActiveDocument.1">
                   <p:embed/>
                 </p:oleObj>
               </mc:Choice>
@@ -6245,6 +6246,1045 @@
     <p:extLst>
       <p:ext uri="{BB962C8B-B14F-4D97-AF65-F5344CB8AC3E}">
         <p14:creationId xmlns:p14="http://schemas.microsoft.com/office/powerpoint/2010/main" val="1995803624"/>
+      </p:ext>
+    </p:extLst>
+  </p:cSld>
+  <p:clrMapOvr>
+    <a:masterClrMapping/>
+  </p:clrMapOvr>
+</p:sld>
+</file>
+
+<file path=ppt/slides/slide3.xml><?xml version="1.0" encoding="utf-8"?>
+<p:sld xmlns:a="http://schemas.openxmlformats.org/drawingml/2006/main" xmlns:r="http://schemas.openxmlformats.org/officeDocument/2006/relationships" xmlns:p="http://schemas.openxmlformats.org/presentationml/2006/main">
+  <p:cSld>
+    <p:spTree>
+      <p:nvGrpSpPr>
+        <p:cNvPr id="1" name=""/>
+        <p:cNvGrpSpPr/>
+        <p:nvPr/>
+      </p:nvGrpSpPr>
+      <p:grpSpPr>
+        <a:xfrm>
+          <a:off x="0" y="0"/>
+          <a:ext cx="0" cy="0"/>
+          <a:chOff x="0" y="0"/>
+          <a:chExt cx="0" cy="0"/>
+        </a:xfrm>
+      </p:grpSpPr>
+      <p:pic>
+        <p:nvPicPr>
+          <p:cNvPr id="54" name="Рисунок 53">
+            <a:extLst>
+              <a:ext uri="{FF2B5EF4-FFF2-40B4-BE49-F238E27FC236}">
+                <a16:creationId xmlns:a16="http://schemas.microsoft.com/office/drawing/2014/main" id="{EE605630-D9C3-AA4B-9509-51FF622E5B46}"/>
+              </a:ext>
+            </a:extLst>
+          </p:cNvPr>
+          <p:cNvPicPr>
+            <a:picLocks noChangeAspect="1"/>
+          </p:cNvPicPr>
+          <p:nvPr/>
+        </p:nvPicPr>
+        <p:blipFill>
+          <a:blip r:embed="rId2">
+            <a:extLst>
+              <a:ext uri="{28A0092B-C50C-407E-A947-70E740481C1C}">
+                <a14:useLocalDpi xmlns:a14="http://schemas.microsoft.com/office/drawing/2010/main" val="0"/>
+              </a:ext>
+            </a:extLst>
+          </a:blip>
+          <a:stretch>
+            <a:fillRect/>
+          </a:stretch>
+        </p:blipFill>
+        <p:spPr>
+          <a:xfrm>
+            <a:off x="1917575" y="45275"/>
+            <a:ext cx="7519388" cy="6767449"/>
+          </a:xfrm>
+          <a:prstGeom prst="rect">
+            <a:avLst/>
+          </a:prstGeom>
+        </p:spPr>
+      </p:pic>
+      <p:pic>
+        <p:nvPicPr>
+          <p:cNvPr id="9" name="Рисунок 8">
+            <a:extLst>
+              <a:ext uri="{FF2B5EF4-FFF2-40B4-BE49-F238E27FC236}">
+                <a16:creationId xmlns:a16="http://schemas.microsoft.com/office/drawing/2014/main" id="{82457093-F74D-3149-BD77-BECF36365C3D}"/>
+              </a:ext>
+            </a:extLst>
+          </p:cNvPr>
+          <p:cNvPicPr>
+            <a:picLocks noChangeAspect="1"/>
+          </p:cNvPicPr>
+          <p:nvPr/>
+        </p:nvPicPr>
+        <p:blipFill>
+          <a:blip r:embed="rId3">
+            <a:extLst>
+              <a:ext uri="{28A0092B-C50C-407E-A947-70E740481C1C}">
+                <a14:useLocalDpi xmlns:a14="http://schemas.microsoft.com/office/drawing/2010/main" val="0"/>
+              </a:ext>
+            </a:extLst>
+          </a:blip>
+          <a:stretch>
+            <a:fillRect/>
+          </a:stretch>
+        </p:blipFill>
+        <p:spPr>
+          <a:xfrm>
+            <a:off x="10852460" y="4074013"/>
+            <a:ext cx="399447" cy="335535"/>
+          </a:xfrm>
+          <a:prstGeom prst="rect">
+            <a:avLst/>
+          </a:prstGeom>
+        </p:spPr>
+      </p:pic>
+      <p:pic>
+        <p:nvPicPr>
+          <p:cNvPr id="13" name="Рисунок 12">
+            <a:extLst>
+              <a:ext uri="{FF2B5EF4-FFF2-40B4-BE49-F238E27FC236}">
+                <a16:creationId xmlns:a16="http://schemas.microsoft.com/office/drawing/2014/main" id="{38815D68-9768-A84B-A09A-3358C48AD806}"/>
+              </a:ext>
+            </a:extLst>
+          </p:cNvPr>
+          <p:cNvPicPr>
+            <a:picLocks noChangeAspect="1"/>
+          </p:cNvPicPr>
+          <p:nvPr/>
+        </p:nvPicPr>
+        <p:blipFill>
+          <a:blip r:embed="rId4">
+            <a:extLst>
+              <a:ext uri="{28A0092B-C50C-407E-A947-70E740481C1C}">
+                <a14:useLocalDpi xmlns:a14="http://schemas.microsoft.com/office/drawing/2010/main" val="0"/>
+              </a:ext>
+            </a:extLst>
+          </a:blip>
+          <a:stretch>
+            <a:fillRect/>
+          </a:stretch>
+        </p:blipFill>
+        <p:spPr>
+          <a:xfrm>
+            <a:off x="5284581" y="4162642"/>
+            <a:ext cx="559560" cy="468469"/>
+          </a:xfrm>
+          <a:prstGeom prst="rect">
+            <a:avLst/>
+          </a:prstGeom>
+        </p:spPr>
+      </p:pic>
+      <p:pic>
+        <p:nvPicPr>
+          <p:cNvPr id="15" name="Рисунок 14">
+            <a:extLst>
+              <a:ext uri="{FF2B5EF4-FFF2-40B4-BE49-F238E27FC236}">
+                <a16:creationId xmlns:a16="http://schemas.microsoft.com/office/drawing/2014/main" id="{2B83B0D8-B0EF-F741-9B6F-70146468A9DD}"/>
+              </a:ext>
+            </a:extLst>
+          </p:cNvPr>
+          <p:cNvPicPr>
+            <a:picLocks noChangeAspect="1"/>
+          </p:cNvPicPr>
+          <p:nvPr/>
+        </p:nvPicPr>
+        <p:blipFill>
+          <a:blip r:embed="rId5">
+            <a:extLst>
+              <a:ext uri="{28A0092B-C50C-407E-A947-70E740481C1C}">
+                <a14:useLocalDpi xmlns:a14="http://schemas.microsoft.com/office/drawing/2010/main" val="0"/>
+              </a:ext>
+            </a:extLst>
+          </a:blip>
+          <a:stretch>
+            <a:fillRect/>
+          </a:stretch>
+        </p:blipFill>
+        <p:spPr>
+          <a:xfrm>
+            <a:off x="5864848" y="3100631"/>
+            <a:ext cx="462304" cy="468469"/>
+          </a:xfrm>
+          <a:prstGeom prst="rect">
+            <a:avLst/>
+          </a:prstGeom>
+        </p:spPr>
+      </p:pic>
+      <p:pic>
+        <p:nvPicPr>
+          <p:cNvPr id="17" name="Рисунок 16">
+            <a:extLst>
+              <a:ext uri="{FF2B5EF4-FFF2-40B4-BE49-F238E27FC236}">
+                <a16:creationId xmlns:a16="http://schemas.microsoft.com/office/drawing/2014/main" id="{1364CC68-58CB-7B47-902E-CE84889F0873}"/>
+              </a:ext>
+            </a:extLst>
+          </p:cNvPr>
+          <p:cNvPicPr>
+            <a:picLocks noChangeAspect="1"/>
+          </p:cNvPicPr>
+          <p:nvPr/>
+        </p:nvPicPr>
+        <p:blipFill>
+          <a:blip r:embed="rId6">
+            <a:extLst>
+              <a:ext uri="{28A0092B-C50C-407E-A947-70E740481C1C}">
+                <a14:useLocalDpi xmlns:a14="http://schemas.microsoft.com/office/drawing/2010/main" val="0"/>
+              </a:ext>
+            </a:extLst>
+          </a:blip>
+          <a:stretch>
+            <a:fillRect/>
+          </a:stretch>
+        </p:blipFill>
+        <p:spPr>
+          <a:xfrm>
+            <a:off x="5052029" y="128588"/>
+            <a:ext cx="523225" cy="468469"/>
+          </a:xfrm>
+          <a:prstGeom prst="rect">
+            <a:avLst/>
+          </a:prstGeom>
+        </p:spPr>
+      </p:pic>
+      <p:pic>
+        <p:nvPicPr>
+          <p:cNvPr id="23" name="Рисунок 22">
+            <a:extLst>
+              <a:ext uri="{FF2B5EF4-FFF2-40B4-BE49-F238E27FC236}">
+                <a16:creationId xmlns:a16="http://schemas.microsoft.com/office/drawing/2014/main" id="{45820AE0-D8DC-734F-A26D-D63C952A9F05}"/>
+              </a:ext>
+            </a:extLst>
+          </p:cNvPr>
+          <p:cNvPicPr>
+            <a:picLocks noChangeAspect="1"/>
+          </p:cNvPicPr>
+          <p:nvPr/>
+        </p:nvPicPr>
+        <p:blipFill>
+          <a:blip r:embed="rId7">
+            <a:extLst>
+              <a:ext uri="{28A0092B-C50C-407E-A947-70E740481C1C}">
+                <a14:useLocalDpi xmlns:a14="http://schemas.microsoft.com/office/drawing/2010/main" val="0"/>
+              </a:ext>
+            </a:extLst>
+          </a:blip>
+          <a:stretch>
+            <a:fillRect/>
+          </a:stretch>
+        </p:blipFill>
+        <p:spPr>
+          <a:xfrm>
+            <a:off x="10805788" y="5315975"/>
+            <a:ext cx="419992" cy="432719"/>
+          </a:xfrm>
+          <a:prstGeom prst="rect">
+            <a:avLst/>
+          </a:prstGeom>
+        </p:spPr>
+      </p:pic>
+      <p:pic>
+        <p:nvPicPr>
+          <p:cNvPr id="25" name="Рисунок 24">
+            <a:extLst>
+              <a:ext uri="{FF2B5EF4-FFF2-40B4-BE49-F238E27FC236}">
+                <a16:creationId xmlns:a16="http://schemas.microsoft.com/office/drawing/2014/main" id="{D3D1E155-2950-E947-95CC-F9D89FAA4A4A}"/>
+              </a:ext>
+            </a:extLst>
+          </p:cNvPr>
+          <p:cNvPicPr>
+            <a:picLocks noChangeAspect="1"/>
+          </p:cNvPicPr>
+          <p:nvPr/>
+        </p:nvPicPr>
+        <p:blipFill>
+          <a:blip r:embed="rId8">
+            <a:extLst>
+              <a:ext uri="{28A0092B-C50C-407E-A947-70E740481C1C}">
+                <a14:useLocalDpi xmlns:a14="http://schemas.microsoft.com/office/drawing/2010/main" val="0"/>
+              </a:ext>
+            </a:extLst>
+          </a:blip>
+          <a:stretch>
+            <a:fillRect/>
+          </a:stretch>
+        </p:blipFill>
+        <p:spPr>
+          <a:xfrm>
+            <a:off x="10825240" y="4908247"/>
+            <a:ext cx="367314" cy="371739"/>
+          </a:xfrm>
+          <a:prstGeom prst="rect">
+            <a:avLst/>
+          </a:prstGeom>
+        </p:spPr>
+      </p:pic>
+      <p:pic>
+        <p:nvPicPr>
+          <p:cNvPr id="27" name="Рисунок 26">
+            <a:extLst>
+              <a:ext uri="{FF2B5EF4-FFF2-40B4-BE49-F238E27FC236}">
+                <a16:creationId xmlns:a16="http://schemas.microsoft.com/office/drawing/2014/main" id="{754DEFA7-E5C6-634A-ACA5-74029AC910F7}"/>
+              </a:ext>
+            </a:extLst>
+          </p:cNvPr>
+          <p:cNvPicPr>
+            <a:picLocks noChangeAspect="1"/>
+          </p:cNvPicPr>
+          <p:nvPr/>
+        </p:nvPicPr>
+        <p:blipFill>
+          <a:blip r:embed="rId9">
+            <a:extLst>
+              <a:ext uri="{28A0092B-C50C-407E-A947-70E740481C1C}">
+                <a14:useLocalDpi xmlns:a14="http://schemas.microsoft.com/office/drawing/2010/main" val="0"/>
+              </a:ext>
+            </a:extLst>
+          </a:blip>
+          <a:stretch>
+            <a:fillRect/>
+          </a:stretch>
+        </p:blipFill>
+        <p:spPr>
+          <a:xfrm>
+            <a:off x="10846231" y="4445241"/>
+            <a:ext cx="354649" cy="371740"/>
+          </a:xfrm>
+          <a:prstGeom prst="rect">
+            <a:avLst/>
+          </a:prstGeom>
+        </p:spPr>
+      </p:pic>
+      <p:pic>
+        <p:nvPicPr>
+          <p:cNvPr id="29" name="Рисунок 28">
+            <a:extLst>
+              <a:ext uri="{FF2B5EF4-FFF2-40B4-BE49-F238E27FC236}">
+                <a16:creationId xmlns:a16="http://schemas.microsoft.com/office/drawing/2014/main" id="{C954704F-0652-554B-86E6-BBB37DAE5F70}"/>
+              </a:ext>
+            </a:extLst>
+          </p:cNvPr>
+          <p:cNvPicPr>
+            <a:picLocks noChangeAspect="1"/>
+          </p:cNvPicPr>
+          <p:nvPr/>
+        </p:nvPicPr>
+        <p:blipFill>
+          <a:blip r:embed="rId10">
+            <a:extLst>
+              <a:ext uri="{28A0092B-C50C-407E-A947-70E740481C1C}">
+                <a14:useLocalDpi xmlns:a14="http://schemas.microsoft.com/office/drawing/2010/main" val="0"/>
+              </a:ext>
+            </a:extLst>
+          </a:blip>
+          <a:stretch>
+            <a:fillRect/>
+          </a:stretch>
+        </p:blipFill>
+        <p:spPr>
+          <a:xfrm>
+            <a:off x="10854486" y="5758019"/>
+            <a:ext cx="352507" cy="483672"/>
+          </a:xfrm>
+          <a:prstGeom prst="rect">
+            <a:avLst/>
+          </a:prstGeom>
+        </p:spPr>
+      </p:pic>
+      <p:pic>
+        <p:nvPicPr>
+          <p:cNvPr id="32" name="Рисунок 31">
+            <a:extLst>
+              <a:ext uri="{FF2B5EF4-FFF2-40B4-BE49-F238E27FC236}">
+                <a16:creationId xmlns:a16="http://schemas.microsoft.com/office/drawing/2014/main" id="{226F927A-9A6F-8948-A6ED-74465377D9C8}"/>
+              </a:ext>
+            </a:extLst>
+          </p:cNvPr>
+          <p:cNvPicPr>
+            <a:picLocks noChangeAspect="1"/>
+          </p:cNvPicPr>
+          <p:nvPr/>
+        </p:nvPicPr>
+        <p:blipFill>
+          <a:blip r:embed="rId7">
+            <a:extLst>
+              <a:ext uri="{28A0092B-C50C-407E-A947-70E740481C1C}">
+                <a14:useLocalDpi xmlns:a14="http://schemas.microsoft.com/office/drawing/2010/main" val="0"/>
+              </a:ext>
+            </a:extLst>
+          </a:blip>
+          <a:stretch>
+            <a:fillRect/>
+          </a:stretch>
+        </p:blipFill>
+        <p:spPr>
+          <a:xfrm>
+            <a:off x="2183264" y="4768987"/>
+            <a:ext cx="367600" cy="378739"/>
+          </a:xfrm>
+          <a:prstGeom prst="rect">
+            <a:avLst/>
+          </a:prstGeom>
+        </p:spPr>
+      </p:pic>
+      <p:pic>
+        <p:nvPicPr>
+          <p:cNvPr id="33" name="Рисунок 32">
+            <a:extLst>
+              <a:ext uri="{FF2B5EF4-FFF2-40B4-BE49-F238E27FC236}">
+                <a16:creationId xmlns:a16="http://schemas.microsoft.com/office/drawing/2014/main" id="{6C48E81D-058E-264A-9FF6-C8E25E6DE5AA}"/>
+              </a:ext>
+            </a:extLst>
+          </p:cNvPr>
+          <p:cNvPicPr>
+            <a:picLocks noChangeAspect="1"/>
+          </p:cNvPicPr>
+          <p:nvPr/>
+        </p:nvPicPr>
+        <p:blipFill>
+          <a:blip r:embed="rId10">
+            <a:extLst>
+              <a:ext uri="{28A0092B-C50C-407E-A947-70E740481C1C}">
+                <a14:useLocalDpi xmlns:a14="http://schemas.microsoft.com/office/drawing/2010/main" val="0"/>
+              </a:ext>
+            </a:extLst>
+          </a:blip>
+          <a:stretch>
+            <a:fillRect/>
+          </a:stretch>
+        </p:blipFill>
+        <p:spPr>
+          <a:xfrm>
+            <a:off x="2183264" y="1745305"/>
+            <a:ext cx="330567" cy="453569"/>
+          </a:xfrm>
+          <a:prstGeom prst="rect">
+            <a:avLst/>
+          </a:prstGeom>
+        </p:spPr>
+      </p:pic>
+      <p:pic>
+        <p:nvPicPr>
+          <p:cNvPr id="34" name="Рисунок 33">
+            <a:extLst>
+              <a:ext uri="{FF2B5EF4-FFF2-40B4-BE49-F238E27FC236}">
+                <a16:creationId xmlns:a16="http://schemas.microsoft.com/office/drawing/2014/main" id="{5D8AD9BF-DA91-8846-96FF-0E0D285289DE}"/>
+              </a:ext>
+            </a:extLst>
+          </p:cNvPr>
+          <p:cNvPicPr>
+            <a:picLocks noChangeAspect="1"/>
+          </p:cNvPicPr>
+          <p:nvPr/>
+        </p:nvPicPr>
+        <p:blipFill>
+          <a:blip r:embed="rId9">
+            <a:extLst>
+              <a:ext uri="{28A0092B-C50C-407E-A947-70E740481C1C}">
+                <a14:useLocalDpi xmlns:a14="http://schemas.microsoft.com/office/drawing/2010/main" val="0"/>
+              </a:ext>
+            </a:extLst>
+          </a:blip>
+          <a:stretch>
+            <a:fillRect/>
+          </a:stretch>
+        </p:blipFill>
+        <p:spPr>
+          <a:xfrm>
+            <a:off x="8713070" y="3515940"/>
+            <a:ext cx="386060" cy="404665"/>
+          </a:xfrm>
+          <a:prstGeom prst="rect">
+            <a:avLst/>
+          </a:prstGeom>
+        </p:spPr>
+      </p:pic>
+      <p:pic>
+        <p:nvPicPr>
+          <p:cNvPr id="35" name="Рисунок 34">
+            <a:extLst>
+              <a:ext uri="{FF2B5EF4-FFF2-40B4-BE49-F238E27FC236}">
+                <a16:creationId xmlns:a16="http://schemas.microsoft.com/office/drawing/2014/main" id="{D9A2B2AE-191F-4448-BF34-7E4099651448}"/>
+              </a:ext>
+            </a:extLst>
+          </p:cNvPr>
+          <p:cNvPicPr>
+            <a:picLocks noChangeAspect="1"/>
+          </p:cNvPicPr>
+          <p:nvPr/>
+        </p:nvPicPr>
+        <p:blipFill>
+          <a:blip r:embed="rId8">
+            <a:extLst>
+              <a:ext uri="{28A0092B-C50C-407E-A947-70E740481C1C}">
+                <a14:useLocalDpi xmlns:a14="http://schemas.microsoft.com/office/drawing/2010/main" val="0"/>
+              </a:ext>
+            </a:extLst>
+          </a:blip>
+          <a:stretch>
+            <a:fillRect/>
+          </a:stretch>
+        </p:blipFill>
+        <p:spPr>
+          <a:xfrm>
+            <a:off x="8713070" y="283924"/>
+            <a:ext cx="386060" cy="390711"/>
+          </a:xfrm>
+          <a:prstGeom prst="rect">
+            <a:avLst/>
+          </a:prstGeom>
+        </p:spPr>
+      </p:pic>
+      <p:pic>
+        <p:nvPicPr>
+          <p:cNvPr id="41" name="Рисунок 40">
+            <a:extLst>
+              <a:ext uri="{FF2B5EF4-FFF2-40B4-BE49-F238E27FC236}">
+                <a16:creationId xmlns:a16="http://schemas.microsoft.com/office/drawing/2014/main" id="{F7B67BA3-0E7C-4D4C-AA3F-26817EBAC8D9}"/>
+              </a:ext>
+            </a:extLst>
+          </p:cNvPr>
+          <p:cNvPicPr>
+            <a:picLocks noChangeAspect="1"/>
+          </p:cNvPicPr>
+          <p:nvPr/>
+        </p:nvPicPr>
+        <p:blipFill>
+          <a:blip r:embed="rId11">
+            <a:extLst>
+              <a:ext uri="{28A0092B-C50C-407E-A947-70E740481C1C}">
+                <a14:useLocalDpi xmlns:a14="http://schemas.microsoft.com/office/drawing/2010/main" val="0"/>
+              </a:ext>
+            </a:extLst>
+          </a:blip>
+          <a:stretch>
+            <a:fillRect/>
+          </a:stretch>
+        </p:blipFill>
+        <p:spPr>
+          <a:xfrm>
+            <a:off x="10825241" y="1309419"/>
+            <a:ext cx="505824" cy="332107"/>
+          </a:xfrm>
+          <a:prstGeom prst="rect">
+            <a:avLst/>
+          </a:prstGeom>
+        </p:spPr>
+      </p:pic>
+      <p:pic>
+        <p:nvPicPr>
+          <p:cNvPr id="43" name="Рисунок 42">
+            <a:extLst>
+              <a:ext uri="{FF2B5EF4-FFF2-40B4-BE49-F238E27FC236}">
+                <a16:creationId xmlns:a16="http://schemas.microsoft.com/office/drawing/2014/main" id="{98A8EB9D-12C9-524A-AFBD-4AF2D4731178}"/>
+              </a:ext>
+            </a:extLst>
+          </p:cNvPr>
+          <p:cNvPicPr>
+            <a:picLocks noChangeAspect="1"/>
+          </p:cNvPicPr>
+          <p:nvPr/>
+        </p:nvPicPr>
+        <p:blipFill>
+          <a:blip r:embed="rId12">
+            <a:extLst>
+              <a:ext uri="{28A0092B-C50C-407E-A947-70E740481C1C}">
+                <a14:useLocalDpi xmlns:a14="http://schemas.microsoft.com/office/drawing/2010/main" val="0"/>
+              </a:ext>
+            </a:extLst>
+          </a:blip>
+          <a:stretch>
+            <a:fillRect/>
+          </a:stretch>
+        </p:blipFill>
+        <p:spPr>
+          <a:xfrm>
+            <a:off x="10804634" y="504840"/>
+            <a:ext cx="507829" cy="330089"/>
+          </a:xfrm>
+          <a:prstGeom prst="rect">
+            <a:avLst/>
+          </a:prstGeom>
+        </p:spPr>
+      </p:pic>
+      <p:pic>
+        <p:nvPicPr>
+          <p:cNvPr id="45" name="Рисунок 44">
+            <a:extLst>
+              <a:ext uri="{FF2B5EF4-FFF2-40B4-BE49-F238E27FC236}">
+                <a16:creationId xmlns:a16="http://schemas.microsoft.com/office/drawing/2014/main" id="{C4C50D13-C977-D94E-AE50-6F9BE179D3C4}"/>
+              </a:ext>
+            </a:extLst>
+          </p:cNvPr>
+          <p:cNvPicPr>
+            <a:picLocks noChangeAspect="1"/>
+          </p:cNvPicPr>
+          <p:nvPr/>
+        </p:nvPicPr>
+        <p:blipFill>
+          <a:blip r:embed="rId13">
+            <a:extLst>
+              <a:ext uri="{28A0092B-C50C-407E-A947-70E740481C1C}">
+                <a14:useLocalDpi xmlns:a14="http://schemas.microsoft.com/office/drawing/2010/main" val="0"/>
+              </a:ext>
+            </a:extLst>
+          </a:blip>
+          <a:stretch>
+            <a:fillRect/>
+          </a:stretch>
+        </p:blipFill>
+        <p:spPr>
+          <a:xfrm>
+            <a:off x="10825240" y="899046"/>
+            <a:ext cx="510704" cy="330089"/>
+          </a:xfrm>
+          <a:prstGeom prst="rect">
+            <a:avLst/>
+          </a:prstGeom>
+        </p:spPr>
+      </p:pic>
+      <p:pic>
+        <p:nvPicPr>
+          <p:cNvPr id="47" name="Рисунок 46">
+            <a:extLst>
+              <a:ext uri="{FF2B5EF4-FFF2-40B4-BE49-F238E27FC236}">
+                <a16:creationId xmlns:a16="http://schemas.microsoft.com/office/drawing/2014/main" id="{91AA2533-A822-F64B-9424-012C462A0604}"/>
+              </a:ext>
+            </a:extLst>
+          </p:cNvPr>
+          <p:cNvPicPr>
+            <a:picLocks noChangeAspect="1"/>
+          </p:cNvPicPr>
+          <p:nvPr/>
+        </p:nvPicPr>
+        <p:blipFill>
+          <a:blip r:embed="rId14">
+            <a:extLst>
+              <a:ext uri="{28A0092B-C50C-407E-A947-70E740481C1C}">
+                <a14:useLocalDpi xmlns:a14="http://schemas.microsoft.com/office/drawing/2010/main" val="0"/>
+              </a:ext>
+            </a:extLst>
+          </a:blip>
+          <a:stretch>
+            <a:fillRect/>
+          </a:stretch>
+        </p:blipFill>
+        <p:spPr>
+          <a:xfrm>
+            <a:off x="10769070" y="128588"/>
+            <a:ext cx="507829" cy="310672"/>
+          </a:xfrm>
+          <a:prstGeom prst="rect">
+            <a:avLst/>
+          </a:prstGeom>
+        </p:spPr>
+      </p:pic>
+      <p:pic>
+        <p:nvPicPr>
+          <p:cNvPr id="48" name="Рисунок 47">
+            <a:extLst>
+              <a:ext uri="{FF2B5EF4-FFF2-40B4-BE49-F238E27FC236}">
+                <a16:creationId xmlns:a16="http://schemas.microsoft.com/office/drawing/2014/main" id="{B59FFB4F-EDCE-9B45-8EEA-E9C1804954F7}"/>
+              </a:ext>
+            </a:extLst>
+          </p:cNvPr>
+          <p:cNvPicPr>
+            <a:picLocks noChangeAspect="1"/>
+          </p:cNvPicPr>
+          <p:nvPr/>
+        </p:nvPicPr>
+        <p:blipFill>
+          <a:blip r:embed="rId13">
+            <a:extLst>
+              <a:ext uri="{28A0092B-C50C-407E-A947-70E740481C1C}">
+                <a14:useLocalDpi xmlns:a14="http://schemas.microsoft.com/office/drawing/2010/main" val="0"/>
+              </a:ext>
+            </a:extLst>
+          </a:blip>
+          <a:stretch>
+            <a:fillRect/>
+          </a:stretch>
+        </p:blipFill>
+        <p:spPr>
+          <a:xfrm>
+            <a:off x="3058758" y="3448843"/>
+            <a:ext cx="545187" cy="352377"/>
+          </a:xfrm>
+          <a:prstGeom prst="rect">
+            <a:avLst/>
+          </a:prstGeom>
+        </p:spPr>
+      </p:pic>
+      <p:pic>
+        <p:nvPicPr>
+          <p:cNvPr id="49" name="Рисунок 48">
+            <a:extLst>
+              <a:ext uri="{FF2B5EF4-FFF2-40B4-BE49-F238E27FC236}">
+                <a16:creationId xmlns:a16="http://schemas.microsoft.com/office/drawing/2014/main" id="{1E9FEFC4-816E-4A45-97B3-4B5D17CD6CE5}"/>
+              </a:ext>
+            </a:extLst>
+          </p:cNvPr>
+          <p:cNvPicPr>
+            <a:picLocks noChangeAspect="1"/>
+          </p:cNvPicPr>
+          <p:nvPr/>
+        </p:nvPicPr>
+        <p:blipFill>
+          <a:blip r:embed="rId11">
+            <a:extLst>
+              <a:ext uri="{28A0092B-C50C-407E-A947-70E740481C1C}">
+                <a14:useLocalDpi xmlns:a14="http://schemas.microsoft.com/office/drawing/2010/main" val="0"/>
+              </a:ext>
+            </a:extLst>
+          </a:blip>
+          <a:stretch>
+            <a:fillRect/>
+          </a:stretch>
+        </p:blipFill>
+        <p:spPr>
+          <a:xfrm>
+            <a:off x="6529927" y="3448843"/>
+            <a:ext cx="536697" cy="352377"/>
+          </a:xfrm>
+          <a:prstGeom prst="rect">
+            <a:avLst/>
+          </a:prstGeom>
+        </p:spPr>
+      </p:pic>
+      <p:pic>
+        <p:nvPicPr>
+          <p:cNvPr id="50" name="Рисунок 49">
+            <a:extLst>
+              <a:ext uri="{FF2B5EF4-FFF2-40B4-BE49-F238E27FC236}">
+                <a16:creationId xmlns:a16="http://schemas.microsoft.com/office/drawing/2014/main" id="{E968352D-0175-0046-8B6B-132C78451E16}"/>
+              </a:ext>
+            </a:extLst>
+          </p:cNvPr>
+          <p:cNvPicPr>
+            <a:picLocks noChangeAspect="1"/>
+          </p:cNvPicPr>
+          <p:nvPr/>
+        </p:nvPicPr>
+        <p:blipFill>
+          <a:blip r:embed="rId14">
+            <a:extLst>
+              <a:ext uri="{28A0092B-C50C-407E-A947-70E740481C1C}">
+                <a14:useLocalDpi xmlns:a14="http://schemas.microsoft.com/office/drawing/2010/main" val="0"/>
+              </a:ext>
+            </a:extLst>
+          </a:blip>
+          <a:stretch>
+            <a:fillRect/>
+          </a:stretch>
+        </p:blipFill>
+        <p:spPr>
+          <a:xfrm>
+            <a:off x="3058758" y="168607"/>
+            <a:ext cx="545187" cy="333526"/>
+          </a:xfrm>
+          <a:prstGeom prst="rect">
+            <a:avLst/>
+          </a:prstGeom>
+        </p:spPr>
+      </p:pic>
+      <p:pic>
+        <p:nvPicPr>
+          <p:cNvPr id="51" name="Рисунок 50">
+            <a:extLst>
+              <a:ext uri="{FF2B5EF4-FFF2-40B4-BE49-F238E27FC236}">
+                <a16:creationId xmlns:a16="http://schemas.microsoft.com/office/drawing/2014/main" id="{802EE4A1-D741-DD4D-8817-EAF68D5851FC}"/>
+              </a:ext>
+            </a:extLst>
+          </p:cNvPr>
+          <p:cNvPicPr>
+            <a:picLocks noChangeAspect="1"/>
+          </p:cNvPicPr>
+          <p:nvPr/>
+        </p:nvPicPr>
+        <p:blipFill>
+          <a:blip r:embed="rId12">
+            <a:extLst>
+              <a:ext uri="{28A0092B-C50C-407E-A947-70E740481C1C}">
+                <a14:useLocalDpi xmlns:a14="http://schemas.microsoft.com/office/drawing/2010/main" val="0"/>
+              </a:ext>
+            </a:extLst>
+          </a:blip>
+          <a:stretch>
+            <a:fillRect/>
+          </a:stretch>
+        </p:blipFill>
+        <p:spPr>
+          <a:xfrm>
+            <a:off x="6524949" y="194168"/>
+            <a:ext cx="545187" cy="354372"/>
+          </a:xfrm>
+          <a:prstGeom prst="rect">
+            <a:avLst/>
+          </a:prstGeom>
+        </p:spPr>
+      </p:pic>
+      <p:cxnSp>
+        <p:nvCxnSpPr>
+          <p:cNvPr id="56" name="Прямая со стрелкой 55">
+            <a:extLst>
+              <a:ext uri="{FF2B5EF4-FFF2-40B4-BE49-F238E27FC236}">
+                <a16:creationId xmlns:a16="http://schemas.microsoft.com/office/drawing/2014/main" id="{6AECD534-8A52-C543-BFA8-D13BF8893A0C}"/>
+              </a:ext>
+            </a:extLst>
+          </p:cNvPr>
+          <p:cNvCxnSpPr>
+            <a:cxnSpLocks/>
+          </p:cNvCxnSpPr>
+          <p:nvPr/>
+        </p:nvCxnSpPr>
+        <p:spPr>
+          <a:xfrm flipV="1">
+            <a:off x="5439813" y="2050742"/>
+            <a:ext cx="1280583" cy="1750478"/>
+          </a:xfrm>
+          <a:prstGeom prst="straightConnector1">
+            <a:avLst/>
+          </a:prstGeom>
+          <a:ln w="15875">
+            <a:solidFill>
+              <a:schemeClr val="tx1"/>
+            </a:solidFill>
+            <a:headEnd w="med" len="lg"/>
+            <a:tailEnd type="triangle" w="med" len="lg"/>
+          </a:ln>
+        </p:spPr>
+        <p:style>
+          <a:lnRef idx="1">
+            <a:schemeClr val="accent1"/>
+          </a:lnRef>
+          <a:fillRef idx="0">
+            <a:schemeClr val="accent1"/>
+          </a:fillRef>
+          <a:effectRef idx="0">
+            <a:schemeClr val="accent1"/>
+          </a:effectRef>
+          <a:fontRef idx="minor">
+            <a:schemeClr val="tx1"/>
+          </a:fontRef>
+        </p:style>
+      </p:cxnSp>
+      <p:sp>
+        <p:nvSpPr>
+          <p:cNvPr id="67" name="Дуга 66">
+            <a:extLst>
+              <a:ext uri="{FF2B5EF4-FFF2-40B4-BE49-F238E27FC236}">
+                <a16:creationId xmlns:a16="http://schemas.microsoft.com/office/drawing/2014/main" id="{C4986CE1-8C53-AE4C-9A25-36B4FFE1AC19}"/>
+              </a:ext>
+            </a:extLst>
+          </p:cNvPr>
+          <p:cNvSpPr/>
+          <p:nvPr/>
+        </p:nvSpPr>
+        <p:spPr>
+          <a:xfrm rot="18863629">
+            <a:off x="4332587" y="550168"/>
+            <a:ext cx="3023109" cy="3001149"/>
+          </a:xfrm>
+          <a:prstGeom prst="arc">
+            <a:avLst/>
+          </a:prstGeom>
+          <a:ln w="19050">
+            <a:solidFill>
+              <a:schemeClr val="tx1"/>
+            </a:solidFill>
+            <a:tailEnd type="triangle"/>
+          </a:ln>
+        </p:spPr>
+        <p:style>
+          <a:lnRef idx="1">
+            <a:schemeClr val="accent1"/>
+          </a:lnRef>
+          <a:fillRef idx="0">
+            <a:schemeClr val="accent1"/>
+          </a:fillRef>
+          <a:effectRef idx="0">
+            <a:schemeClr val="accent1"/>
+          </a:effectRef>
+          <a:fontRef idx="minor">
+            <a:schemeClr val="tx1"/>
+          </a:fontRef>
+        </p:style>
+        <p:txBody>
+          <a:bodyPr rtlCol="0" anchor="ctr"/>
+          <a:lstStyle/>
+          <a:p>
+            <a:pPr algn="ctr"/>
+            <a:endParaRPr lang="ru-RU"/>
+          </a:p>
+        </p:txBody>
+      </p:sp>
+      <p:sp>
+        <p:nvSpPr>
+          <p:cNvPr id="68" name="Дуга 67">
+            <a:extLst>
+              <a:ext uri="{FF2B5EF4-FFF2-40B4-BE49-F238E27FC236}">
+                <a16:creationId xmlns:a16="http://schemas.microsoft.com/office/drawing/2014/main" id="{2D8A90A3-4B25-9C4A-BAD7-E1ED2F574460}"/>
+              </a:ext>
+            </a:extLst>
+          </p:cNvPr>
+          <p:cNvSpPr/>
+          <p:nvPr/>
+        </p:nvSpPr>
+        <p:spPr>
+          <a:xfrm rot="18863629">
+            <a:off x="4472081" y="4635975"/>
+            <a:ext cx="3023109" cy="3001149"/>
+          </a:xfrm>
+          <a:prstGeom prst="arc">
+            <a:avLst/>
+          </a:prstGeom>
+          <a:ln w="19050">
+            <a:solidFill>
+              <a:schemeClr val="tx1"/>
+            </a:solidFill>
+            <a:tailEnd type="triangle"/>
+          </a:ln>
+        </p:spPr>
+        <p:style>
+          <a:lnRef idx="1">
+            <a:schemeClr val="accent1"/>
+          </a:lnRef>
+          <a:fillRef idx="0">
+            <a:schemeClr val="accent1"/>
+          </a:fillRef>
+          <a:effectRef idx="0">
+            <a:schemeClr val="accent1"/>
+          </a:effectRef>
+          <a:fontRef idx="minor">
+            <a:schemeClr val="tx1"/>
+          </a:fontRef>
+        </p:style>
+        <p:txBody>
+          <a:bodyPr rtlCol="0" anchor="ctr"/>
+          <a:lstStyle/>
+          <a:p>
+            <a:pPr algn="ctr"/>
+            <a:endParaRPr lang="ru-RU"/>
+          </a:p>
+        </p:txBody>
+      </p:sp>
+      <p:pic>
+        <p:nvPicPr>
+          <p:cNvPr id="69" name="Рисунок 68">
+            <a:extLst>
+              <a:ext uri="{FF2B5EF4-FFF2-40B4-BE49-F238E27FC236}">
+                <a16:creationId xmlns:a16="http://schemas.microsoft.com/office/drawing/2014/main" id="{086C4516-F2D7-844A-8D80-74410688DB4C}"/>
+              </a:ext>
+            </a:extLst>
+          </p:cNvPr>
+          <p:cNvPicPr>
+            <a:picLocks noChangeAspect="1"/>
+          </p:cNvPicPr>
+          <p:nvPr/>
+        </p:nvPicPr>
+        <p:blipFill>
+          <a:blip r:embed="rId4">
+            <a:extLst>
+              <a:ext uri="{28A0092B-C50C-407E-A947-70E740481C1C}">
+                <a14:useLocalDpi xmlns:a14="http://schemas.microsoft.com/office/drawing/2010/main" val="0"/>
+              </a:ext>
+            </a:extLst>
+          </a:blip>
+          <a:stretch>
+            <a:fillRect/>
+          </a:stretch>
+        </p:blipFill>
+        <p:spPr>
+          <a:xfrm>
+            <a:off x="10825240" y="1762360"/>
+            <a:ext cx="559560" cy="468469"/>
+          </a:xfrm>
+          <a:prstGeom prst="rect">
+            <a:avLst/>
+          </a:prstGeom>
+        </p:spPr>
+      </p:pic>
+      <p:pic>
+        <p:nvPicPr>
+          <p:cNvPr id="70" name="Рисунок 69">
+            <a:extLst>
+              <a:ext uri="{FF2B5EF4-FFF2-40B4-BE49-F238E27FC236}">
+                <a16:creationId xmlns:a16="http://schemas.microsoft.com/office/drawing/2014/main" id="{CDE6F85F-3EA5-8440-8177-B2C72B7AE64F}"/>
+              </a:ext>
+            </a:extLst>
+          </p:cNvPr>
+          <p:cNvPicPr>
+            <a:picLocks noChangeAspect="1"/>
+          </p:cNvPicPr>
+          <p:nvPr/>
+        </p:nvPicPr>
+        <p:blipFill>
+          <a:blip r:embed="rId6">
+            <a:extLst>
+              <a:ext uri="{28A0092B-C50C-407E-A947-70E740481C1C}">
+                <a14:useLocalDpi xmlns:a14="http://schemas.microsoft.com/office/drawing/2010/main" val="0"/>
+              </a:ext>
+            </a:extLst>
+          </a:blip>
+          <a:stretch>
+            <a:fillRect/>
+          </a:stretch>
+        </p:blipFill>
+        <p:spPr>
+          <a:xfrm>
+            <a:off x="10848855" y="2297206"/>
+            <a:ext cx="523225" cy="468469"/>
+          </a:xfrm>
+          <a:prstGeom prst="rect">
+            <a:avLst/>
+          </a:prstGeom>
+        </p:spPr>
+      </p:pic>
+      <p:pic>
+        <p:nvPicPr>
+          <p:cNvPr id="71" name="Рисунок 70">
+            <a:extLst>
+              <a:ext uri="{FF2B5EF4-FFF2-40B4-BE49-F238E27FC236}">
+                <a16:creationId xmlns:a16="http://schemas.microsoft.com/office/drawing/2014/main" id="{1F7608AA-9C88-5E44-A5DA-0E601536A0E7}"/>
+              </a:ext>
+            </a:extLst>
+          </p:cNvPr>
+          <p:cNvPicPr>
+            <a:picLocks noChangeAspect="1"/>
+          </p:cNvPicPr>
+          <p:nvPr/>
+        </p:nvPicPr>
+        <p:blipFill>
+          <a:blip r:embed="rId5">
+            <a:extLst>
+              <a:ext uri="{28A0092B-C50C-407E-A947-70E740481C1C}">
+                <a14:useLocalDpi xmlns:a14="http://schemas.microsoft.com/office/drawing/2010/main" val="0"/>
+              </a:ext>
+            </a:extLst>
+          </a:blip>
+          <a:stretch>
+            <a:fillRect/>
+          </a:stretch>
+        </p:blipFill>
+        <p:spPr>
+          <a:xfrm>
+            <a:off x="10858242" y="2984654"/>
+            <a:ext cx="462304" cy="468469"/>
+          </a:xfrm>
+          <a:prstGeom prst="rect">
+            <a:avLst/>
+          </a:prstGeom>
+        </p:spPr>
+      </p:pic>
+    </p:spTree>
+    <p:extLst>
+      <p:ext uri="{BB962C8B-B14F-4D97-AF65-F5344CB8AC3E}">
+        <p14:creationId xmlns:p14="http://schemas.microsoft.com/office/powerpoint/2010/main" val="1946233100"/>
       </p:ext>
     </p:extLst>
   </p:cSld>

--- a/pres/figs.pptx
+++ b/pres/figs.pptx
@@ -691,7 +691,7 @@
           <a:p>
             <a:fld id="{1BA2035E-AB5E-4656-B48A-7DB4258DCBF2}" type="datetimeFigureOut">
               <a:rPr lang="ru-RU" smtClean="0"/>
-              <a:t>05.05.2021</a:t>
+              <a:t>10.05.2021</a:t>
             </a:fld>
             <a:endParaRPr lang="ru-RU"/>
           </a:p>
@@ -1189,7 +1189,7 @@
           <a:p>
             <a:fld id="{F9109524-591A-4F33-AD32-76F191976FF0}" type="datetimeFigureOut">
               <a:rPr lang="ru-RU" smtClean="0"/>
-              <a:t>05.05.2021</a:t>
+              <a:t>10.05.2021</a:t>
             </a:fld>
             <a:endParaRPr lang="ru-RU"/>
           </a:p>
@@ -1387,7 +1387,7 @@
           <a:p>
             <a:fld id="{F9109524-591A-4F33-AD32-76F191976FF0}" type="datetimeFigureOut">
               <a:rPr lang="ru-RU" smtClean="0"/>
-              <a:t>05.05.2021</a:t>
+              <a:t>10.05.2021</a:t>
             </a:fld>
             <a:endParaRPr lang="ru-RU"/>
           </a:p>
@@ -1595,7 +1595,7 @@
           <a:p>
             <a:fld id="{F9109524-591A-4F33-AD32-76F191976FF0}" type="datetimeFigureOut">
               <a:rPr lang="ru-RU" smtClean="0"/>
-              <a:t>05.05.2021</a:t>
+              <a:t>10.05.2021</a:t>
             </a:fld>
             <a:endParaRPr lang="ru-RU"/>
           </a:p>
@@ -1793,7 +1793,7 @@
           <a:p>
             <a:fld id="{F9109524-591A-4F33-AD32-76F191976FF0}" type="datetimeFigureOut">
               <a:rPr lang="ru-RU" smtClean="0"/>
-              <a:t>05.05.2021</a:t>
+              <a:t>10.05.2021</a:t>
             </a:fld>
             <a:endParaRPr lang="ru-RU"/>
           </a:p>
@@ -2068,7 +2068,7 @@
           <a:p>
             <a:fld id="{F9109524-591A-4F33-AD32-76F191976FF0}" type="datetimeFigureOut">
               <a:rPr lang="ru-RU" smtClean="0"/>
-              <a:t>05.05.2021</a:t>
+              <a:t>10.05.2021</a:t>
             </a:fld>
             <a:endParaRPr lang="ru-RU"/>
           </a:p>
@@ -2333,7 +2333,7 @@
           <a:p>
             <a:fld id="{F9109524-591A-4F33-AD32-76F191976FF0}" type="datetimeFigureOut">
               <a:rPr lang="ru-RU" smtClean="0"/>
-              <a:t>05.05.2021</a:t>
+              <a:t>10.05.2021</a:t>
             </a:fld>
             <a:endParaRPr lang="ru-RU"/>
           </a:p>
@@ -2745,7 +2745,7 @@
           <a:p>
             <a:fld id="{F9109524-591A-4F33-AD32-76F191976FF0}" type="datetimeFigureOut">
               <a:rPr lang="ru-RU" smtClean="0"/>
-              <a:t>05.05.2021</a:t>
+              <a:t>10.05.2021</a:t>
             </a:fld>
             <a:endParaRPr lang="ru-RU"/>
           </a:p>
@@ -2886,7 +2886,7 @@
           <a:p>
             <a:fld id="{F9109524-591A-4F33-AD32-76F191976FF0}" type="datetimeFigureOut">
               <a:rPr lang="ru-RU" smtClean="0"/>
-              <a:t>05.05.2021</a:t>
+              <a:t>10.05.2021</a:t>
             </a:fld>
             <a:endParaRPr lang="ru-RU"/>
           </a:p>
@@ -2999,7 +2999,7 @@
           <a:p>
             <a:fld id="{F9109524-591A-4F33-AD32-76F191976FF0}" type="datetimeFigureOut">
               <a:rPr lang="ru-RU" smtClean="0"/>
-              <a:t>05.05.2021</a:t>
+              <a:t>10.05.2021</a:t>
             </a:fld>
             <a:endParaRPr lang="ru-RU"/>
           </a:p>
@@ -3310,7 +3310,7 @@
           <a:p>
             <a:fld id="{F9109524-591A-4F33-AD32-76F191976FF0}" type="datetimeFigureOut">
               <a:rPr lang="ru-RU" smtClean="0"/>
-              <a:t>05.05.2021</a:t>
+              <a:t>10.05.2021</a:t>
             </a:fld>
             <a:endParaRPr lang="ru-RU"/>
           </a:p>
@@ -3598,7 +3598,7 @@
           <a:p>
             <a:fld id="{F9109524-591A-4F33-AD32-76F191976FF0}" type="datetimeFigureOut">
               <a:rPr lang="ru-RU" smtClean="0"/>
-              <a:t>05.05.2021</a:t>
+              <a:t>10.05.2021</a:t>
             </a:fld>
             <a:endParaRPr lang="ru-RU"/>
           </a:p>
@@ -3724,7 +3724,7 @@
           <a:graphicData uri="http://schemas.openxmlformats.org/presentationml/2006/ole">
             <mc:AlternateContent xmlns:mc="http://schemas.openxmlformats.org/markup-compatibility/2006">
               <mc:Choice xmlns:v="urn:schemas-microsoft-com:vml" Requires="v">
-                <p:oleObj spid="_x0000_s1044" name="Слайд think-cell" r:id="rId16" imgW="416" imgH="416" progId="TCLayout.ActiveDocument.1">
+                <p:oleObj spid="_x0000_s1046" name="Слайд think-cell" r:id="rId16" imgW="416" imgH="416" progId="TCLayout.ActiveDocument.1">
                   <p:embed/>
                 </p:oleObj>
               </mc:Choice>
@@ -3962,7 +3962,7 @@
           <a:p>
             <a:fld id="{F9109524-591A-4F33-AD32-76F191976FF0}" type="datetimeFigureOut">
               <a:rPr lang="ru-RU" smtClean="0"/>
-              <a:t>05.05.2021</a:t>
+              <a:t>10.05.2021</a:t>
             </a:fld>
             <a:endParaRPr lang="ru-RU"/>
           </a:p>
@@ -4596,7 +4596,7 @@
           <a:graphicData uri="http://schemas.openxmlformats.org/presentationml/2006/ole">
             <mc:AlternateContent xmlns:mc="http://schemas.openxmlformats.org/markup-compatibility/2006">
               <mc:Choice xmlns:v="urn:schemas-microsoft-com:vml" Requires="v">
-                <p:oleObj spid="_x0000_s2071" name="Слайд think-cell" r:id="rId16" imgW="416" imgH="416" progId="TCLayout.ActiveDocument.1">
+                <p:oleObj spid="_x0000_s2073" name="Слайд think-cell" r:id="rId16" imgW="416" imgH="416" progId="TCLayout.ActiveDocument.1">
                   <p:embed/>
                 </p:oleObj>
               </mc:Choice>
@@ -6346,10 +6346,10 @@
       </p:pic>
       <p:pic>
         <p:nvPicPr>
-          <p:cNvPr id="13" name="Рисунок 12">
-            <a:extLst>
-              <a:ext uri="{FF2B5EF4-FFF2-40B4-BE49-F238E27FC236}">
-                <a16:creationId xmlns:a16="http://schemas.microsoft.com/office/drawing/2014/main" id="{38815D68-9768-A84B-A09A-3358C48AD806}"/>
+          <p:cNvPr id="25" name="Рисунок 24">
+            <a:extLst>
+              <a:ext uri="{FF2B5EF4-FFF2-40B4-BE49-F238E27FC236}">
+                <a16:creationId xmlns:a16="http://schemas.microsoft.com/office/drawing/2014/main" id="{D3D1E155-2950-E947-95CC-F9D89FAA4A4A}"/>
               </a:ext>
             </a:extLst>
           </p:cNvPr>
@@ -6372,8 +6372,8 @@
         </p:blipFill>
         <p:spPr>
           <a:xfrm>
-            <a:off x="5284581" y="4162642"/>
-            <a:ext cx="559560" cy="468469"/>
+            <a:off x="10825240" y="4908247"/>
+            <a:ext cx="367314" cy="371739"/>
           </a:xfrm>
           <a:prstGeom prst="rect">
             <a:avLst/>
@@ -6382,10 +6382,10 @@
       </p:pic>
       <p:pic>
         <p:nvPicPr>
-          <p:cNvPr id="15" name="Рисунок 14">
-            <a:extLst>
-              <a:ext uri="{FF2B5EF4-FFF2-40B4-BE49-F238E27FC236}">
-                <a16:creationId xmlns:a16="http://schemas.microsoft.com/office/drawing/2014/main" id="{2B83B0D8-B0EF-F741-9B6F-70146468A9DD}"/>
+          <p:cNvPr id="27" name="Рисунок 26">
+            <a:extLst>
+              <a:ext uri="{FF2B5EF4-FFF2-40B4-BE49-F238E27FC236}">
+                <a16:creationId xmlns:a16="http://schemas.microsoft.com/office/drawing/2014/main" id="{754DEFA7-E5C6-634A-ACA5-74029AC910F7}"/>
               </a:ext>
             </a:extLst>
           </p:cNvPr>
@@ -6408,8 +6408,8 @@
         </p:blipFill>
         <p:spPr>
           <a:xfrm>
-            <a:off x="5864848" y="3100631"/>
-            <a:ext cx="462304" cy="468469"/>
+            <a:off x="10846231" y="4445241"/>
+            <a:ext cx="354649" cy="371740"/>
           </a:xfrm>
           <a:prstGeom prst="rect">
             <a:avLst/>
@@ -6418,10 +6418,82 @@
       </p:pic>
       <p:pic>
         <p:nvPicPr>
-          <p:cNvPr id="17" name="Рисунок 16">
-            <a:extLst>
-              <a:ext uri="{FF2B5EF4-FFF2-40B4-BE49-F238E27FC236}">
-                <a16:creationId xmlns:a16="http://schemas.microsoft.com/office/drawing/2014/main" id="{1364CC68-58CB-7B47-902E-CE84889F0873}"/>
+          <p:cNvPr id="34" name="Рисунок 33">
+            <a:extLst>
+              <a:ext uri="{FF2B5EF4-FFF2-40B4-BE49-F238E27FC236}">
+                <a16:creationId xmlns:a16="http://schemas.microsoft.com/office/drawing/2014/main" id="{5D8AD9BF-DA91-8846-96FF-0E0D285289DE}"/>
+              </a:ext>
+            </a:extLst>
+          </p:cNvPr>
+          <p:cNvPicPr>
+            <a:picLocks noChangeAspect="1"/>
+          </p:cNvPicPr>
+          <p:nvPr/>
+        </p:nvPicPr>
+        <p:blipFill>
+          <a:blip r:embed="rId5">
+            <a:extLst>
+              <a:ext uri="{28A0092B-C50C-407E-A947-70E740481C1C}">
+                <a14:useLocalDpi xmlns:a14="http://schemas.microsoft.com/office/drawing/2010/main" val="0"/>
+              </a:ext>
+            </a:extLst>
+          </a:blip>
+          <a:stretch>
+            <a:fillRect/>
+          </a:stretch>
+        </p:blipFill>
+        <p:spPr>
+          <a:xfrm>
+            <a:off x="8713070" y="3515940"/>
+            <a:ext cx="386060" cy="404665"/>
+          </a:xfrm>
+          <a:prstGeom prst="rect">
+            <a:avLst/>
+          </a:prstGeom>
+        </p:spPr>
+      </p:pic>
+      <p:pic>
+        <p:nvPicPr>
+          <p:cNvPr id="35" name="Рисунок 34">
+            <a:extLst>
+              <a:ext uri="{FF2B5EF4-FFF2-40B4-BE49-F238E27FC236}">
+                <a16:creationId xmlns:a16="http://schemas.microsoft.com/office/drawing/2014/main" id="{D9A2B2AE-191F-4448-BF34-7E4099651448}"/>
+              </a:ext>
+            </a:extLst>
+          </p:cNvPr>
+          <p:cNvPicPr>
+            <a:picLocks noChangeAspect="1"/>
+          </p:cNvPicPr>
+          <p:nvPr/>
+        </p:nvPicPr>
+        <p:blipFill>
+          <a:blip r:embed="rId4">
+            <a:extLst>
+              <a:ext uri="{28A0092B-C50C-407E-A947-70E740481C1C}">
+                <a14:useLocalDpi xmlns:a14="http://schemas.microsoft.com/office/drawing/2010/main" val="0"/>
+              </a:ext>
+            </a:extLst>
+          </a:blip>
+          <a:stretch>
+            <a:fillRect/>
+          </a:stretch>
+        </p:blipFill>
+        <p:spPr>
+          <a:xfrm>
+            <a:off x="8713070" y="283924"/>
+            <a:ext cx="386060" cy="390711"/>
+          </a:xfrm>
+          <a:prstGeom prst="rect">
+            <a:avLst/>
+          </a:prstGeom>
+        </p:spPr>
+      </p:pic>
+      <p:pic>
+        <p:nvPicPr>
+          <p:cNvPr id="41" name="Рисунок 40">
+            <a:extLst>
+              <a:ext uri="{FF2B5EF4-FFF2-40B4-BE49-F238E27FC236}">
+                <a16:creationId xmlns:a16="http://schemas.microsoft.com/office/drawing/2014/main" id="{F7B67BA3-0E7C-4D4C-AA3F-26817EBAC8D9}"/>
               </a:ext>
             </a:extLst>
           </p:cNvPr>
@@ -6444,8 +6516,8 @@
         </p:blipFill>
         <p:spPr>
           <a:xfrm>
-            <a:off x="5052029" y="128588"/>
-            <a:ext cx="523225" cy="468469"/>
+            <a:off x="10825241" y="1309419"/>
+            <a:ext cx="505824" cy="332107"/>
           </a:xfrm>
           <a:prstGeom prst="rect">
             <a:avLst/>
@@ -6454,10 +6526,10 @@
       </p:pic>
       <p:pic>
         <p:nvPicPr>
-          <p:cNvPr id="23" name="Рисунок 22">
-            <a:extLst>
-              <a:ext uri="{FF2B5EF4-FFF2-40B4-BE49-F238E27FC236}">
-                <a16:creationId xmlns:a16="http://schemas.microsoft.com/office/drawing/2014/main" id="{45820AE0-D8DC-734F-A26D-D63C952A9F05}"/>
+          <p:cNvPr id="43" name="Рисунок 42">
+            <a:extLst>
+              <a:ext uri="{FF2B5EF4-FFF2-40B4-BE49-F238E27FC236}">
+                <a16:creationId xmlns:a16="http://schemas.microsoft.com/office/drawing/2014/main" id="{98A8EB9D-12C9-524A-AFBD-4AF2D4731178}"/>
               </a:ext>
             </a:extLst>
           </p:cNvPr>
@@ -6480,8 +6552,8 @@
         </p:blipFill>
         <p:spPr>
           <a:xfrm>
-            <a:off x="10805788" y="5315975"/>
-            <a:ext cx="419992" cy="432719"/>
+            <a:off x="10804634" y="504840"/>
+            <a:ext cx="507829" cy="330089"/>
           </a:xfrm>
           <a:prstGeom prst="rect">
             <a:avLst/>
@@ -6490,10 +6562,10 @@
       </p:pic>
       <p:pic>
         <p:nvPicPr>
-          <p:cNvPr id="25" name="Рисунок 24">
-            <a:extLst>
-              <a:ext uri="{FF2B5EF4-FFF2-40B4-BE49-F238E27FC236}">
-                <a16:creationId xmlns:a16="http://schemas.microsoft.com/office/drawing/2014/main" id="{D3D1E155-2950-E947-95CC-F9D89FAA4A4A}"/>
+          <p:cNvPr id="45" name="Рисунок 44">
+            <a:extLst>
+              <a:ext uri="{FF2B5EF4-FFF2-40B4-BE49-F238E27FC236}">
+                <a16:creationId xmlns:a16="http://schemas.microsoft.com/office/drawing/2014/main" id="{C4C50D13-C977-D94E-AE50-6F9BE179D3C4}"/>
               </a:ext>
             </a:extLst>
           </p:cNvPr>
@@ -6516,8 +6588,8 @@
         </p:blipFill>
         <p:spPr>
           <a:xfrm>
-            <a:off x="10825240" y="4908247"/>
-            <a:ext cx="367314" cy="371739"/>
+            <a:off x="10825240" y="899046"/>
+            <a:ext cx="510704" cy="330089"/>
           </a:xfrm>
           <a:prstGeom prst="rect">
             <a:avLst/>
@@ -6526,10 +6598,10 @@
       </p:pic>
       <p:pic>
         <p:nvPicPr>
-          <p:cNvPr id="27" name="Рисунок 26">
-            <a:extLst>
-              <a:ext uri="{FF2B5EF4-FFF2-40B4-BE49-F238E27FC236}">
-                <a16:creationId xmlns:a16="http://schemas.microsoft.com/office/drawing/2014/main" id="{754DEFA7-E5C6-634A-ACA5-74029AC910F7}"/>
+          <p:cNvPr id="47" name="Рисунок 46">
+            <a:extLst>
+              <a:ext uri="{FF2B5EF4-FFF2-40B4-BE49-F238E27FC236}">
+                <a16:creationId xmlns:a16="http://schemas.microsoft.com/office/drawing/2014/main" id="{91AA2533-A822-F64B-9424-012C462A0604}"/>
               </a:ext>
             </a:extLst>
           </p:cNvPr>
@@ -6552,8 +6624,8 @@
         </p:blipFill>
         <p:spPr>
           <a:xfrm>
-            <a:off x="10846231" y="4445241"/>
-            <a:ext cx="354649" cy="371740"/>
+            <a:off x="10769070" y="128588"/>
+            <a:ext cx="507829" cy="310672"/>
           </a:xfrm>
           <a:prstGeom prst="rect">
             <a:avLst/>
@@ -6562,10 +6634,10 @@
       </p:pic>
       <p:pic>
         <p:nvPicPr>
-          <p:cNvPr id="29" name="Рисунок 28">
-            <a:extLst>
-              <a:ext uri="{FF2B5EF4-FFF2-40B4-BE49-F238E27FC236}">
-                <a16:creationId xmlns:a16="http://schemas.microsoft.com/office/drawing/2014/main" id="{C954704F-0652-554B-86E6-BBB37DAE5F70}"/>
+          <p:cNvPr id="48" name="Рисунок 47">
+            <a:extLst>
+              <a:ext uri="{FF2B5EF4-FFF2-40B4-BE49-F238E27FC236}">
+                <a16:creationId xmlns:a16="http://schemas.microsoft.com/office/drawing/2014/main" id="{B59FFB4F-EDCE-9B45-8EEA-E9C1804954F7}"/>
               </a:ext>
             </a:extLst>
           </p:cNvPr>
@@ -6575,7 +6647,7 @@
           <p:nvPr/>
         </p:nvPicPr>
         <p:blipFill>
-          <a:blip r:embed="rId10">
+          <a:blip r:embed="rId8">
             <a:extLst>
               <a:ext uri="{28A0092B-C50C-407E-A947-70E740481C1C}">
                 <a14:useLocalDpi xmlns:a14="http://schemas.microsoft.com/office/drawing/2010/main" val="0"/>
@@ -6588,8 +6660,8 @@
         </p:blipFill>
         <p:spPr>
           <a:xfrm>
-            <a:off x="10854486" y="5758019"/>
-            <a:ext cx="352507" cy="483672"/>
+            <a:off x="3058758" y="3448843"/>
+            <a:ext cx="545187" cy="352377"/>
           </a:xfrm>
           <a:prstGeom prst="rect">
             <a:avLst/>
@@ -6598,10 +6670,82 @@
       </p:pic>
       <p:pic>
         <p:nvPicPr>
-          <p:cNvPr id="32" name="Рисунок 31">
-            <a:extLst>
-              <a:ext uri="{FF2B5EF4-FFF2-40B4-BE49-F238E27FC236}">
-                <a16:creationId xmlns:a16="http://schemas.microsoft.com/office/drawing/2014/main" id="{226F927A-9A6F-8948-A6ED-74465377D9C8}"/>
+          <p:cNvPr id="49" name="Рисунок 48">
+            <a:extLst>
+              <a:ext uri="{FF2B5EF4-FFF2-40B4-BE49-F238E27FC236}">
+                <a16:creationId xmlns:a16="http://schemas.microsoft.com/office/drawing/2014/main" id="{1E9FEFC4-816E-4A45-97B3-4B5D17CD6CE5}"/>
+              </a:ext>
+            </a:extLst>
+          </p:cNvPr>
+          <p:cNvPicPr>
+            <a:picLocks noChangeAspect="1"/>
+          </p:cNvPicPr>
+          <p:nvPr/>
+        </p:nvPicPr>
+        <p:blipFill>
+          <a:blip r:embed="rId6">
+            <a:extLst>
+              <a:ext uri="{28A0092B-C50C-407E-A947-70E740481C1C}">
+                <a14:useLocalDpi xmlns:a14="http://schemas.microsoft.com/office/drawing/2010/main" val="0"/>
+              </a:ext>
+            </a:extLst>
+          </a:blip>
+          <a:stretch>
+            <a:fillRect/>
+          </a:stretch>
+        </p:blipFill>
+        <p:spPr>
+          <a:xfrm>
+            <a:off x="6529927" y="3448843"/>
+            <a:ext cx="536697" cy="352377"/>
+          </a:xfrm>
+          <a:prstGeom prst="rect">
+            <a:avLst/>
+          </a:prstGeom>
+        </p:spPr>
+      </p:pic>
+      <p:pic>
+        <p:nvPicPr>
+          <p:cNvPr id="50" name="Рисунок 49">
+            <a:extLst>
+              <a:ext uri="{FF2B5EF4-FFF2-40B4-BE49-F238E27FC236}">
+                <a16:creationId xmlns:a16="http://schemas.microsoft.com/office/drawing/2014/main" id="{E968352D-0175-0046-8B6B-132C78451E16}"/>
+              </a:ext>
+            </a:extLst>
+          </p:cNvPr>
+          <p:cNvPicPr>
+            <a:picLocks noChangeAspect="1"/>
+          </p:cNvPicPr>
+          <p:nvPr/>
+        </p:nvPicPr>
+        <p:blipFill>
+          <a:blip r:embed="rId9">
+            <a:extLst>
+              <a:ext uri="{28A0092B-C50C-407E-A947-70E740481C1C}">
+                <a14:useLocalDpi xmlns:a14="http://schemas.microsoft.com/office/drawing/2010/main" val="0"/>
+              </a:ext>
+            </a:extLst>
+          </a:blip>
+          <a:stretch>
+            <a:fillRect/>
+          </a:stretch>
+        </p:blipFill>
+        <p:spPr>
+          <a:xfrm>
+            <a:off x="3058758" y="168607"/>
+            <a:ext cx="545187" cy="333526"/>
+          </a:xfrm>
+          <a:prstGeom prst="rect">
+            <a:avLst/>
+          </a:prstGeom>
+        </p:spPr>
+      </p:pic>
+      <p:pic>
+        <p:nvPicPr>
+          <p:cNvPr id="51" name="Рисунок 50">
+            <a:extLst>
+              <a:ext uri="{FF2B5EF4-FFF2-40B4-BE49-F238E27FC236}">
+                <a16:creationId xmlns:a16="http://schemas.microsoft.com/office/drawing/2014/main" id="{802EE4A1-D741-DD4D-8817-EAF68D5851FC}"/>
               </a:ext>
             </a:extLst>
           </p:cNvPr>
@@ -6612,402 +6756,6 @@
         </p:nvPicPr>
         <p:blipFill>
           <a:blip r:embed="rId7">
-            <a:extLst>
-              <a:ext uri="{28A0092B-C50C-407E-A947-70E740481C1C}">
-                <a14:useLocalDpi xmlns:a14="http://schemas.microsoft.com/office/drawing/2010/main" val="0"/>
-              </a:ext>
-            </a:extLst>
-          </a:blip>
-          <a:stretch>
-            <a:fillRect/>
-          </a:stretch>
-        </p:blipFill>
-        <p:spPr>
-          <a:xfrm>
-            <a:off x="2183264" y="4768987"/>
-            <a:ext cx="367600" cy="378739"/>
-          </a:xfrm>
-          <a:prstGeom prst="rect">
-            <a:avLst/>
-          </a:prstGeom>
-        </p:spPr>
-      </p:pic>
-      <p:pic>
-        <p:nvPicPr>
-          <p:cNvPr id="33" name="Рисунок 32">
-            <a:extLst>
-              <a:ext uri="{FF2B5EF4-FFF2-40B4-BE49-F238E27FC236}">
-                <a16:creationId xmlns:a16="http://schemas.microsoft.com/office/drawing/2014/main" id="{6C48E81D-058E-264A-9FF6-C8E25E6DE5AA}"/>
-              </a:ext>
-            </a:extLst>
-          </p:cNvPr>
-          <p:cNvPicPr>
-            <a:picLocks noChangeAspect="1"/>
-          </p:cNvPicPr>
-          <p:nvPr/>
-        </p:nvPicPr>
-        <p:blipFill>
-          <a:blip r:embed="rId10">
-            <a:extLst>
-              <a:ext uri="{28A0092B-C50C-407E-A947-70E740481C1C}">
-                <a14:useLocalDpi xmlns:a14="http://schemas.microsoft.com/office/drawing/2010/main" val="0"/>
-              </a:ext>
-            </a:extLst>
-          </a:blip>
-          <a:stretch>
-            <a:fillRect/>
-          </a:stretch>
-        </p:blipFill>
-        <p:spPr>
-          <a:xfrm>
-            <a:off x="2183264" y="1745305"/>
-            <a:ext cx="330567" cy="453569"/>
-          </a:xfrm>
-          <a:prstGeom prst="rect">
-            <a:avLst/>
-          </a:prstGeom>
-        </p:spPr>
-      </p:pic>
-      <p:pic>
-        <p:nvPicPr>
-          <p:cNvPr id="34" name="Рисунок 33">
-            <a:extLst>
-              <a:ext uri="{FF2B5EF4-FFF2-40B4-BE49-F238E27FC236}">
-                <a16:creationId xmlns:a16="http://schemas.microsoft.com/office/drawing/2014/main" id="{5D8AD9BF-DA91-8846-96FF-0E0D285289DE}"/>
-              </a:ext>
-            </a:extLst>
-          </p:cNvPr>
-          <p:cNvPicPr>
-            <a:picLocks noChangeAspect="1"/>
-          </p:cNvPicPr>
-          <p:nvPr/>
-        </p:nvPicPr>
-        <p:blipFill>
-          <a:blip r:embed="rId9">
-            <a:extLst>
-              <a:ext uri="{28A0092B-C50C-407E-A947-70E740481C1C}">
-                <a14:useLocalDpi xmlns:a14="http://schemas.microsoft.com/office/drawing/2010/main" val="0"/>
-              </a:ext>
-            </a:extLst>
-          </a:blip>
-          <a:stretch>
-            <a:fillRect/>
-          </a:stretch>
-        </p:blipFill>
-        <p:spPr>
-          <a:xfrm>
-            <a:off x="8713070" y="3515940"/>
-            <a:ext cx="386060" cy="404665"/>
-          </a:xfrm>
-          <a:prstGeom prst="rect">
-            <a:avLst/>
-          </a:prstGeom>
-        </p:spPr>
-      </p:pic>
-      <p:pic>
-        <p:nvPicPr>
-          <p:cNvPr id="35" name="Рисунок 34">
-            <a:extLst>
-              <a:ext uri="{FF2B5EF4-FFF2-40B4-BE49-F238E27FC236}">
-                <a16:creationId xmlns:a16="http://schemas.microsoft.com/office/drawing/2014/main" id="{D9A2B2AE-191F-4448-BF34-7E4099651448}"/>
-              </a:ext>
-            </a:extLst>
-          </p:cNvPr>
-          <p:cNvPicPr>
-            <a:picLocks noChangeAspect="1"/>
-          </p:cNvPicPr>
-          <p:nvPr/>
-        </p:nvPicPr>
-        <p:blipFill>
-          <a:blip r:embed="rId8">
-            <a:extLst>
-              <a:ext uri="{28A0092B-C50C-407E-A947-70E740481C1C}">
-                <a14:useLocalDpi xmlns:a14="http://schemas.microsoft.com/office/drawing/2010/main" val="0"/>
-              </a:ext>
-            </a:extLst>
-          </a:blip>
-          <a:stretch>
-            <a:fillRect/>
-          </a:stretch>
-        </p:blipFill>
-        <p:spPr>
-          <a:xfrm>
-            <a:off x="8713070" y="283924"/>
-            <a:ext cx="386060" cy="390711"/>
-          </a:xfrm>
-          <a:prstGeom prst="rect">
-            <a:avLst/>
-          </a:prstGeom>
-        </p:spPr>
-      </p:pic>
-      <p:pic>
-        <p:nvPicPr>
-          <p:cNvPr id="41" name="Рисунок 40">
-            <a:extLst>
-              <a:ext uri="{FF2B5EF4-FFF2-40B4-BE49-F238E27FC236}">
-                <a16:creationId xmlns:a16="http://schemas.microsoft.com/office/drawing/2014/main" id="{F7B67BA3-0E7C-4D4C-AA3F-26817EBAC8D9}"/>
-              </a:ext>
-            </a:extLst>
-          </p:cNvPr>
-          <p:cNvPicPr>
-            <a:picLocks noChangeAspect="1"/>
-          </p:cNvPicPr>
-          <p:nvPr/>
-        </p:nvPicPr>
-        <p:blipFill>
-          <a:blip r:embed="rId11">
-            <a:extLst>
-              <a:ext uri="{28A0092B-C50C-407E-A947-70E740481C1C}">
-                <a14:useLocalDpi xmlns:a14="http://schemas.microsoft.com/office/drawing/2010/main" val="0"/>
-              </a:ext>
-            </a:extLst>
-          </a:blip>
-          <a:stretch>
-            <a:fillRect/>
-          </a:stretch>
-        </p:blipFill>
-        <p:spPr>
-          <a:xfrm>
-            <a:off x="10825241" y="1309419"/>
-            <a:ext cx="505824" cy="332107"/>
-          </a:xfrm>
-          <a:prstGeom prst="rect">
-            <a:avLst/>
-          </a:prstGeom>
-        </p:spPr>
-      </p:pic>
-      <p:pic>
-        <p:nvPicPr>
-          <p:cNvPr id="43" name="Рисунок 42">
-            <a:extLst>
-              <a:ext uri="{FF2B5EF4-FFF2-40B4-BE49-F238E27FC236}">
-                <a16:creationId xmlns:a16="http://schemas.microsoft.com/office/drawing/2014/main" id="{98A8EB9D-12C9-524A-AFBD-4AF2D4731178}"/>
-              </a:ext>
-            </a:extLst>
-          </p:cNvPr>
-          <p:cNvPicPr>
-            <a:picLocks noChangeAspect="1"/>
-          </p:cNvPicPr>
-          <p:nvPr/>
-        </p:nvPicPr>
-        <p:blipFill>
-          <a:blip r:embed="rId12">
-            <a:extLst>
-              <a:ext uri="{28A0092B-C50C-407E-A947-70E740481C1C}">
-                <a14:useLocalDpi xmlns:a14="http://schemas.microsoft.com/office/drawing/2010/main" val="0"/>
-              </a:ext>
-            </a:extLst>
-          </a:blip>
-          <a:stretch>
-            <a:fillRect/>
-          </a:stretch>
-        </p:blipFill>
-        <p:spPr>
-          <a:xfrm>
-            <a:off x="10804634" y="504840"/>
-            <a:ext cx="507829" cy="330089"/>
-          </a:xfrm>
-          <a:prstGeom prst="rect">
-            <a:avLst/>
-          </a:prstGeom>
-        </p:spPr>
-      </p:pic>
-      <p:pic>
-        <p:nvPicPr>
-          <p:cNvPr id="45" name="Рисунок 44">
-            <a:extLst>
-              <a:ext uri="{FF2B5EF4-FFF2-40B4-BE49-F238E27FC236}">
-                <a16:creationId xmlns:a16="http://schemas.microsoft.com/office/drawing/2014/main" id="{C4C50D13-C977-D94E-AE50-6F9BE179D3C4}"/>
-              </a:ext>
-            </a:extLst>
-          </p:cNvPr>
-          <p:cNvPicPr>
-            <a:picLocks noChangeAspect="1"/>
-          </p:cNvPicPr>
-          <p:nvPr/>
-        </p:nvPicPr>
-        <p:blipFill>
-          <a:blip r:embed="rId13">
-            <a:extLst>
-              <a:ext uri="{28A0092B-C50C-407E-A947-70E740481C1C}">
-                <a14:useLocalDpi xmlns:a14="http://schemas.microsoft.com/office/drawing/2010/main" val="0"/>
-              </a:ext>
-            </a:extLst>
-          </a:blip>
-          <a:stretch>
-            <a:fillRect/>
-          </a:stretch>
-        </p:blipFill>
-        <p:spPr>
-          <a:xfrm>
-            <a:off x="10825240" y="899046"/>
-            <a:ext cx="510704" cy="330089"/>
-          </a:xfrm>
-          <a:prstGeom prst="rect">
-            <a:avLst/>
-          </a:prstGeom>
-        </p:spPr>
-      </p:pic>
-      <p:pic>
-        <p:nvPicPr>
-          <p:cNvPr id="47" name="Рисунок 46">
-            <a:extLst>
-              <a:ext uri="{FF2B5EF4-FFF2-40B4-BE49-F238E27FC236}">
-                <a16:creationId xmlns:a16="http://schemas.microsoft.com/office/drawing/2014/main" id="{91AA2533-A822-F64B-9424-012C462A0604}"/>
-              </a:ext>
-            </a:extLst>
-          </p:cNvPr>
-          <p:cNvPicPr>
-            <a:picLocks noChangeAspect="1"/>
-          </p:cNvPicPr>
-          <p:nvPr/>
-        </p:nvPicPr>
-        <p:blipFill>
-          <a:blip r:embed="rId14">
-            <a:extLst>
-              <a:ext uri="{28A0092B-C50C-407E-A947-70E740481C1C}">
-                <a14:useLocalDpi xmlns:a14="http://schemas.microsoft.com/office/drawing/2010/main" val="0"/>
-              </a:ext>
-            </a:extLst>
-          </a:blip>
-          <a:stretch>
-            <a:fillRect/>
-          </a:stretch>
-        </p:blipFill>
-        <p:spPr>
-          <a:xfrm>
-            <a:off x="10769070" y="128588"/>
-            <a:ext cx="507829" cy="310672"/>
-          </a:xfrm>
-          <a:prstGeom prst="rect">
-            <a:avLst/>
-          </a:prstGeom>
-        </p:spPr>
-      </p:pic>
-      <p:pic>
-        <p:nvPicPr>
-          <p:cNvPr id="48" name="Рисунок 47">
-            <a:extLst>
-              <a:ext uri="{FF2B5EF4-FFF2-40B4-BE49-F238E27FC236}">
-                <a16:creationId xmlns:a16="http://schemas.microsoft.com/office/drawing/2014/main" id="{B59FFB4F-EDCE-9B45-8EEA-E9C1804954F7}"/>
-              </a:ext>
-            </a:extLst>
-          </p:cNvPr>
-          <p:cNvPicPr>
-            <a:picLocks noChangeAspect="1"/>
-          </p:cNvPicPr>
-          <p:nvPr/>
-        </p:nvPicPr>
-        <p:blipFill>
-          <a:blip r:embed="rId13">
-            <a:extLst>
-              <a:ext uri="{28A0092B-C50C-407E-A947-70E740481C1C}">
-                <a14:useLocalDpi xmlns:a14="http://schemas.microsoft.com/office/drawing/2010/main" val="0"/>
-              </a:ext>
-            </a:extLst>
-          </a:blip>
-          <a:stretch>
-            <a:fillRect/>
-          </a:stretch>
-        </p:blipFill>
-        <p:spPr>
-          <a:xfrm>
-            <a:off x="3058758" y="3448843"/>
-            <a:ext cx="545187" cy="352377"/>
-          </a:xfrm>
-          <a:prstGeom prst="rect">
-            <a:avLst/>
-          </a:prstGeom>
-        </p:spPr>
-      </p:pic>
-      <p:pic>
-        <p:nvPicPr>
-          <p:cNvPr id="49" name="Рисунок 48">
-            <a:extLst>
-              <a:ext uri="{FF2B5EF4-FFF2-40B4-BE49-F238E27FC236}">
-                <a16:creationId xmlns:a16="http://schemas.microsoft.com/office/drawing/2014/main" id="{1E9FEFC4-816E-4A45-97B3-4B5D17CD6CE5}"/>
-              </a:ext>
-            </a:extLst>
-          </p:cNvPr>
-          <p:cNvPicPr>
-            <a:picLocks noChangeAspect="1"/>
-          </p:cNvPicPr>
-          <p:nvPr/>
-        </p:nvPicPr>
-        <p:blipFill>
-          <a:blip r:embed="rId11">
-            <a:extLst>
-              <a:ext uri="{28A0092B-C50C-407E-A947-70E740481C1C}">
-                <a14:useLocalDpi xmlns:a14="http://schemas.microsoft.com/office/drawing/2010/main" val="0"/>
-              </a:ext>
-            </a:extLst>
-          </a:blip>
-          <a:stretch>
-            <a:fillRect/>
-          </a:stretch>
-        </p:blipFill>
-        <p:spPr>
-          <a:xfrm>
-            <a:off x="6529927" y="3448843"/>
-            <a:ext cx="536697" cy="352377"/>
-          </a:xfrm>
-          <a:prstGeom prst="rect">
-            <a:avLst/>
-          </a:prstGeom>
-        </p:spPr>
-      </p:pic>
-      <p:pic>
-        <p:nvPicPr>
-          <p:cNvPr id="50" name="Рисунок 49">
-            <a:extLst>
-              <a:ext uri="{FF2B5EF4-FFF2-40B4-BE49-F238E27FC236}">
-                <a16:creationId xmlns:a16="http://schemas.microsoft.com/office/drawing/2014/main" id="{E968352D-0175-0046-8B6B-132C78451E16}"/>
-              </a:ext>
-            </a:extLst>
-          </p:cNvPr>
-          <p:cNvPicPr>
-            <a:picLocks noChangeAspect="1"/>
-          </p:cNvPicPr>
-          <p:nvPr/>
-        </p:nvPicPr>
-        <p:blipFill>
-          <a:blip r:embed="rId14">
-            <a:extLst>
-              <a:ext uri="{28A0092B-C50C-407E-A947-70E740481C1C}">
-                <a14:useLocalDpi xmlns:a14="http://schemas.microsoft.com/office/drawing/2010/main" val="0"/>
-              </a:ext>
-            </a:extLst>
-          </a:blip>
-          <a:stretch>
-            <a:fillRect/>
-          </a:stretch>
-        </p:blipFill>
-        <p:spPr>
-          <a:xfrm>
-            <a:off x="3058758" y="168607"/>
-            <a:ext cx="545187" cy="333526"/>
-          </a:xfrm>
-          <a:prstGeom prst="rect">
-            <a:avLst/>
-          </a:prstGeom>
-        </p:spPr>
-      </p:pic>
-      <p:pic>
-        <p:nvPicPr>
-          <p:cNvPr id="51" name="Рисунок 50">
-            <a:extLst>
-              <a:ext uri="{FF2B5EF4-FFF2-40B4-BE49-F238E27FC236}">
-                <a16:creationId xmlns:a16="http://schemas.microsoft.com/office/drawing/2014/main" id="{802EE4A1-D741-DD4D-8817-EAF68D5851FC}"/>
-              </a:ext>
-            </a:extLst>
-          </p:cNvPr>
-          <p:cNvPicPr>
-            <a:picLocks noChangeAspect="1"/>
-          </p:cNvPicPr>
-          <p:nvPr/>
-        </p:nvPicPr>
-        <p:blipFill>
-          <a:blip r:embed="rId12">
             <a:extLst>
               <a:ext uri="{28A0092B-C50C-407E-A947-70E740481C1C}">
                 <a14:useLocalDpi xmlns:a14="http://schemas.microsoft.com/office/drawing/2010/main" val="0"/>
@@ -7075,10 +6823,10 @@
       </p:cxnSp>
       <p:sp>
         <p:nvSpPr>
-          <p:cNvPr id="67" name="Дуга 66">
-            <a:extLst>
-              <a:ext uri="{FF2B5EF4-FFF2-40B4-BE49-F238E27FC236}">
-                <a16:creationId xmlns:a16="http://schemas.microsoft.com/office/drawing/2014/main" id="{C4986CE1-8C53-AE4C-9A25-36B4FFE1AC19}"/>
+          <p:cNvPr id="68" name="Дуга 67">
+            <a:extLst>
+              <a:ext uri="{FF2B5EF4-FFF2-40B4-BE49-F238E27FC236}">
+                <a16:creationId xmlns:a16="http://schemas.microsoft.com/office/drawing/2014/main" id="{2D8A90A3-4B25-9C4A-BAD7-E1ED2F574460}"/>
               </a:ext>
             </a:extLst>
           </p:cNvPr>
@@ -7087,7 +6835,7 @@
         </p:nvSpPr>
         <p:spPr>
           <a:xfrm rot="18863629">
-            <a:off x="4332587" y="550168"/>
+            <a:off x="4472081" y="4635975"/>
             <a:ext cx="3023109" cy="3001149"/>
           </a:xfrm>
           <a:prstGeom prst="arc">
@@ -7123,12 +6871,192 @@
           </a:p>
         </p:txBody>
       </p:sp>
-      <p:sp>
-        <p:nvSpPr>
-          <p:cNvPr id="68" name="Дуга 67">
-            <a:extLst>
-              <a:ext uri="{FF2B5EF4-FFF2-40B4-BE49-F238E27FC236}">
-                <a16:creationId xmlns:a16="http://schemas.microsoft.com/office/drawing/2014/main" id="{2D8A90A3-4B25-9C4A-BAD7-E1ED2F574460}"/>
+      <p:pic>
+        <p:nvPicPr>
+          <p:cNvPr id="3" name="Рисунок 2">
+            <a:extLst>
+              <a:ext uri="{FF2B5EF4-FFF2-40B4-BE49-F238E27FC236}">
+                <a16:creationId xmlns:a16="http://schemas.microsoft.com/office/drawing/2014/main" id="{7DAADD39-504F-1549-977D-FDA31410DFD5}"/>
+              </a:ext>
+            </a:extLst>
+          </p:cNvPr>
+          <p:cNvPicPr>
+            <a:picLocks noChangeAspect="1"/>
+          </p:cNvPicPr>
+          <p:nvPr/>
+        </p:nvPicPr>
+        <p:blipFill>
+          <a:blip r:embed="rId10">
+            <a:extLst>
+              <a:ext uri="{28A0092B-C50C-407E-A947-70E740481C1C}">
+                <a14:useLocalDpi xmlns:a14="http://schemas.microsoft.com/office/drawing/2010/main" val="0"/>
+              </a:ext>
+            </a:extLst>
+          </a:blip>
+          <a:stretch>
+            <a:fillRect/>
+          </a:stretch>
+        </p:blipFill>
+        <p:spPr>
+          <a:xfrm>
+            <a:off x="2183264" y="4816981"/>
+            <a:ext cx="369406" cy="453046"/>
+          </a:xfrm>
+          <a:prstGeom prst="rect">
+            <a:avLst/>
+          </a:prstGeom>
+        </p:spPr>
+      </p:pic>
+      <p:pic>
+        <p:nvPicPr>
+          <p:cNvPr id="5" name="Рисунок 4">
+            <a:extLst>
+              <a:ext uri="{FF2B5EF4-FFF2-40B4-BE49-F238E27FC236}">
+                <a16:creationId xmlns:a16="http://schemas.microsoft.com/office/drawing/2014/main" id="{475C678A-A93B-B443-9063-578C6E4B6363}"/>
+              </a:ext>
+            </a:extLst>
+          </p:cNvPr>
+          <p:cNvPicPr>
+            <a:picLocks noChangeAspect="1"/>
+          </p:cNvPicPr>
+          <p:nvPr/>
+        </p:nvPicPr>
+        <p:blipFill>
+          <a:blip r:embed="rId11">
+            <a:extLst>
+              <a:ext uri="{28A0092B-C50C-407E-A947-70E740481C1C}">
+                <a14:useLocalDpi xmlns:a14="http://schemas.microsoft.com/office/drawing/2010/main" val="0"/>
+              </a:ext>
+            </a:extLst>
+          </a:blip>
+          <a:stretch>
+            <a:fillRect/>
+          </a:stretch>
+        </p:blipFill>
+        <p:spPr>
+          <a:xfrm>
+            <a:off x="5313641" y="4106176"/>
+            <a:ext cx="595389" cy="474973"/>
+          </a:xfrm>
+          <a:prstGeom prst="rect">
+            <a:avLst/>
+          </a:prstGeom>
+        </p:spPr>
+      </p:pic>
+      <p:pic>
+        <p:nvPicPr>
+          <p:cNvPr id="36" name="Рисунок 35">
+            <a:extLst>
+              <a:ext uri="{FF2B5EF4-FFF2-40B4-BE49-F238E27FC236}">
+                <a16:creationId xmlns:a16="http://schemas.microsoft.com/office/drawing/2014/main" id="{25A5D964-CBE3-BC45-AE5C-3ECC204AF6E4}"/>
+              </a:ext>
+            </a:extLst>
+          </p:cNvPr>
+          <p:cNvPicPr>
+            <a:picLocks noChangeAspect="1"/>
+          </p:cNvPicPr>
+          <p:nvPr/>
+        </p:nvPicPr>
+        <p:blipFill>
+          <a:blip r:embed="rId10">
+            <a:extLst>
+              <a:ext uri="{28A0092B-C50C-407E-A947-70E740481C1C}">
+                <a14:useLocalDpi xmlns:a14="http://schemas.microsoft.com/office/drawing/2010/main" val="0"/>
+              </a:ext>
+            </a:extLst>
+          </a:blip>
+          <a:stretch>
+            <a:fillRect/>
+          </a:stretch>
+        </p:blipFill>
+        <p:spPr>
+          <a:xfrm>
+            <a:off x="10838281" y="5292479"/>
+            <a:ext cx="369406" cy="453046"/>
+          </a:xfrm>
+          <a:prstGeom prst="rect">
+            <a:avLst/>
+          </a:prstGeom>
+        </p:spPr>
+      </p:pic>
+      <p:pic>
+        <p:nvPicPr>
+          <p:cNvPr id="37" name="Рисунок 36">
+            <a:extLst>
+              <a:ext uri="{FF2B5EF4-FFF2-40B4-BE49-F238E27FC236}">
+                <a16:creationId xmlns:a16="http://schemas.microsoft.com/office/drawing/2014/main" id="{11B99A09-E350-1340-8BDD-E36B6267E77E}"/>
+              </a:ext>
+            </a:extLst>
+          </p:cNvPr>
+          <p:cNvPicPr>
+            <a:picLocks noChangeAspect="1"/>
+          </p:cNvPicPr>
+          <p:nvPr/>
+        </p:nvPicPr>
+        <p:blipFill>
+          <a:blip r:embed="rId11">
+            <a:extLst>
+              <a:ext uri="{28A0092B-C50C-407E-A947-70E740481C1C}">
+                <a14:useLocalDpi xmlns:a14="http://schemas.microsoft.com/office/drawing/2010/main" val="0"/>
+              </a:ext>
+            </a:extLst>
+          </a:blip>
+          <a:stretch>
+            <a:fillRect/>
+          </a:stretch>
+        </p:blipFill>
+        <p:spPr>
+          <a:xfrm>
+            <a:off x="10791699" y="1748708"/>
+            <a:ext cx="595389" cy="474973"/>
+          </a:xfrm>
+          <a:prstGeom prst="rect">
+            <a:avLst/>
+          </a:prstGeom>
+        </p:spPr>
+      </p:pic>
+      <p:pic>
+        <p:nvPicPr>
+          <p:cNvPr id="7" name="Рисунок 6">
+            <a:extLst>
+              <a:ext uri="{FF2B5EF4-FFF2-40B4-BE49-F238E27FC236}">
+                <a16:creationId xmlns:a16="http://schemas.microsoft.com/office/drawing/2014/main" id="{96EC635E-26FC-D241-A697-E755168F8037}"/>
+              </a:ext>
+            </a:extLst>
+          </p:cNvPr>
+          <p:cNvPicPr>
+            <a:picLocks noChangeAspect="1"/>
+          </p:cNvPicPr>
+          <p:nvPr/>
+        </p:nvPicPr>
+        <p:blipFill>
+          <a:blip r:embed="rId12">
+            <a:extLst>
+              <a:ext uri="{28A0092B-C50C-407E-A947-70E740481C1C}">
+                <a14:useLocalDpi xmlns:a14="http://schemas.microsoft.com/office/drawing/2010/main" val="0"/>
+              </a:ext>
+            </a:extLst>
+          </a:blip>
+          <a:stretch>
+            <a:fillRect/>
+          </a:stretch>
+        </p:blipFill>
+        <p:spPr>
+          <a:xfrm>
+            <a:off x="4971616" y="168607"/>
+            <a:ext cx="533003" cy="501277"/>
+          </a:xfrm>
+          <a:prstGeom prst="rect">
+            <a:avLst/>
+          </a:prstGeom>
+        </p:spPr>
+      </p:pic>
+      <p:sp>
+        <p:nvSpPr>
+          <p:cNvPr id="67" name="Дуга 66">
+            <a:extLst>
+              <a:ext uri="{FF2B5EF4-FFF2-40B4-BE49-F238E27FC236}">
+                <a16:creationId xmlns:a16="http://schemas.microsoft.com/office/drawing/2014/main" id="{C4986CE1-8C53-AE4C-9A25-36B4FFE1AC19}"/>
               </a:ext>
             </a:extLst>
           </p:cNvPr>
@@ -7137,7 +7065,7 @@
         </p:nvSpPr>
         <p:spPr>
           <a:xfrm rot="18863629">
-            <a:off x="4472081" y="4635975"/>
+            <a:off x="4332587" y="550168"/>
             <a:ext cx="3023109" cy="3001149"/>
           </a:xfrm>
           <a:prstGeom prst="arc">
@@ -7175,10 +7103,10 @@
       </p:sp>
       <p:pic>
         <p:nvPicPr>
-          <p:cNvPr id="69" name="Рисунок 68">
-            <a:extLst>
-              <a:ext uri="{FF2B5EF4-FFF2-40B4-BE49-F238E27FC236}">
-                <a16:creationId xmlns:a16="http://schemas.microsoft.com/office/drawing/2014/main" id="{086C4516-F2D7-844A-8D80-74410688DB4C}"/>
+          <p:cNvPr id="38" name="Рисунок 37">
+            <a:extLst>
+              <a:ext uri="{FF2B5EF4-FFF2-40B4-BE49-F238E27FC236}">
+                <a16:creationId xmlns:a16="http://schemas.microsoft.com/office/drawing/2014/main" id="{CD5E09FF-015C-4E46-976D-8A85804F9ACD}"/>
               </a:ext>
             </a:extLst>
           </p:cNvPr>
@@ -7188,7 +7116,7 @@
           <p:nvPr/>
         </p:nvPicPr>
         <p:blipFill>
-          <a:blip r:embed="rId4">
+          <a:blip r:embed="rId12">
             <a:extLst>
               <a:ext uri="{28A0092B-C50C-407E-A947-70E740481C1C}">
                 <a14:useLocalDpi xmlns:a14="http://schemas.microsoft.com/office/drawing/2010/main" val="0"/>
@@ -7201,8 +7129,8 @@
         </p:blipFill>
         <p:spPr>
           <a:xfrm>
-            <a:off x="10825240" y="1762360"/>
-            <a:ext cx="559560" cy="468469"/>
+            <a:off x="10825240" y="2325281"/>
+            <a:ext cx="533003" cy="501277"/>
           </a:xfrm>
           <a:prstGeom prst="rect">
             <a:avLst/>
@@ -7211,10 +7139,10 @@
       </p:pic>
       <p:pic>
         <p:nvPicPr>
-          <p:cNvPr id="70" name="Рисунок 69">
-            <a:extLst>
-              <a:ext uri="{FF2B5EF4-FFF2-40B4-BE49-F238E27FC236}">
-                <a16:creationId xmlns:a16="http://schemas.microsoft.com/office/drawing/2014/main" id="{CDE6F85F-3EA5-8440-8177-B2C72B7AE64F}"/>
+          <p:cNvPr id="10" name="Рисунок 9">
+            <a:extLst>
+              <a:ext uri="{FF2B5EF4-FFF2-40B4-BE49-F238E27FC236}">
+                <a16:creationId xmlns:a16="http://schemas.microsoft.com/office/drawing/2014/main" id="{A409E358-FC72-AB40-8D1F-6A83562F94D7}"/>
               </a:ext>
             </a:extLst>
           </p:cNvPr>
@@ -7224,7 +7152,7 @@
           <p:nvPr/>
         </p:nvPicPr>
         <p:blipFill>
-          <a:blip r:embed="rId6">
+          <a:blip r:embed="rId13">
             <a:extLst>
               <a:ext uri="{28A0092B-C50C-407E-A947-70E740481C1C}">
                 <a14:useLocalDpi xmlns:a14="http://schemas.microsoft.com/office/drawing/2010/main" val="0"/>
@@ -7237,8 +7165,8 @@
         </p:blipFill>
         <p:spPr>
           <a:xfrm>
-            <a:off x="10848855" y="2297206"/>
-            <a:ext cx="523225" cy="468469"/>
+            <a:off x="5858885" y="3218888"/>
+            <a:ext cx="474229" cy="541022"/>
           </a:xfrm>
           <a:prstGeom prst="rect">
             <a:avLst/>
@@ -7247,10 +7175,10 @@
       </p:pic>
       <p:pic>
         <p:nvPicPr>
-          <p:cNvPr id="71" name="Рисунок 70">
-            <a:extLst>
-              <a:ext uri="{FF2B5EF4-FFF2-40B4-BE49-F238E27FC236}">
-                <a16:creationId xmlns:a16="http://schemas.microsoft.com/office/drawing/2014/main" id="{1F7608AA-9C88-5E44-A5DA-0E601536A0E7}"/>
+          <p:cNvPr id="40" name="Рисунок 39">
+            <a:extLst>
+              <a:ext uri="{FF2B5EF4-FFF2-40B4-BE49-F238E27FC236}">
+                <a16:creationId xmlns:a16="http://schemas.microsoft.com/office/drawing/2014/main" id="{6E67B950-E35D-234F-B190-77E638A9E1CB}"/>
               </a:ext>
             </a:extLst>
           </p:cNvPr>
@@ -7260,7 +7188,7 @@
           <p:nvPr/>
         </p:nvPicPr>
         <p:blipFill>
-          <a:blip r:embed="rId5">
+          <a:blip r:embed="rId13">
             <a:extLst>
               <a:ext uri="{28A0092B-C50C-407E-A947-70E740481C1C}">
                 <a14:useLocalDpi xmlns:a14="http://schemas.microsoft.com/office/drawing/2010/main" val="0"/>
@@ -7273,8 +7201,80 @@
         </p:blipFill>
         <p:spPr>
           <a:xfrm>
-            <a:off x="10858242" y="2984654"/>
-            <a:ext cx="462304" cy="468469"/>
+            <a:off x="10834021" y="3133886"/>
+            <a:ext cx="474229" cy="541022"/>
+          </a:xfrm>
+          <a:prstGeom prst="rect">
+            <a:avLst/>
+          </a:prstGeom>
+        </p:spPr>
+      </p:pic>
+      <p:pic>
+        <p:nvPicPr>
+          <p:cNvPr id="12" name="Рисунок 11">
+            <a:extLst>
+              <a:ext uri="{FF2B5EF4-FFF2-40B4-BE49-F238E27FC236}">
+                <a16:creationId xmlns:a16="http://schemas.microsoft.com/office/drawing/2014/main" id="{33469B5D-109A-B64F-8E98-861064F67179}"/>
+              </a:ext>
+            </a:extLst>
+          </p:cNvPr>
+          <p:cNvPicPr>
+            <a:picLocks noChangeAspect="1"/>
+          </p:cNvPicPr>
+          <p:nvPr/>
+        </p:nvPicPr>
+        <p:blipFill>
+          <a:blip r:embed="rId14">
+            <a:extLst>
+              <a:ext uri="{28A0092B-C50C-407E-A947-70E740481C1C}">
+                <a14:useLocalDpi xmlns:a14="http://schemas.microsoft.com/office/drawing/2010/main" val="0"/>
+              </a:ext>
+            </a:extLst>
+          </a:blip>
+          <a:stretch>
+            <a:fillRect/>
+          </a:stretch>
+        </p:blipFill>
+        <p:spPr>
+          <a:xfrm>
+            <a:off x="2174471" y="1821990"/>
+            <a:ext cx="370478" cy="503291"/>
+          </a:xfrm>
+          <a:prstGeom prst="rect">
+            <a:avLst/>
+          </a:prstGeom>
+        </p:spPr>
+      </p:pic>
+      <p:pic>
+        <p:nvPicPr>
+          <p:cNvPr id="44" name="Рисунок 43">
+            <a:extLst>
+              <a:ext uri="{FF2B5EF4-FFF2-40B4-BE49-F238E27FC236}">
+                <a16:creationId xmlns:a16="http://schemas.microsoft.com/office/drawing/2014/main" id="{30311763-532E-4642-88E9-D797554DD4DB}"/>
+              </a:ext>
+            </a:extLst>
+          </p:cNvPr>
+          <p:cNvPicPr>
+            <a:picLocks noChangeAspect="1"/>
+          </p:cNvPicPr>
+          <p:nvPr/>
+        </p:nvPicPr>
+        <p:blipFill>
+          <a:blip r:embed="rId14">
+            <a:extLst>
+              <a:ext uri="{28A0092B-C50C-407E-A947-70E740481C1C}">
+                <a14:useLocalDpi xmlns:a14="http://schemas.microsoft.com/office/drawing/2010/main" val="0"/>
+              </a:ext>
+            </a:extLst>
+          </a:blip>
+          <a:stretch>
+            <a:fillRect/>
+          </a:stretch>
+        </p:blipFill>
+        <p:spPr>
+          <a:xfrm>
+            <a:off x="10846231" y="5849869"/>
+            <a:ext cx="370478" cy="503291"/>
           </a:xfrm>
           <a:prstGeom prst="rect">
             <a:avLst/>
